--- a/CVP_Project_Proposal.pptx
+++ b/CVP_Project_Proposal.pptx
@@ -233,7 +233,7 @@
             <a:fld id="{448F17FC-9D04-4C52-A304-CD8A5276E599}" type="datetimeFigureOut">
               <a:rPr lang="en-IN" smtClean="0"/>
               <a:pPr/>
-              <a:t>19-12-2024</a:t>
+              <a:t>28-10-2024</a:t>
             </a:fld>
             <a:endParaRPr lang="en-IN"/>
           </a:p>
@@ -412,7 +412,7 @@
             <a:fld id="{591A6B1D-1CE5-4BCC-9FB1-614A63B28755}" type="datetimeFigureOut">
               <a:rPr lang="en-IN" smtClean="0"/>
               <a:pPr/>
-              <a:t>19-12-2024</a:t>
+              <a:t>28-10-2024</a:t>
             </a:fld>
             <a:endParaRPr lang="en-IN"/>
           </a:p>
@@ -5993,7 +5993,7 @@
           </a:bodyPr>
           <a:lstStyle/>
           <a:p>
-            <a:pPr>
+            <a:pPr marL="228600" marR="0">
               <a:lnSpc>
                 <a:spcPct val="115000"/>
               </a:lnSpc>
@@ -6005,15 +6005,17 @@
               </a:spcAft>
             </a:pPr>
             <a:r>
-              <a:rPr lang="en-US" sz="1800" b="0" i="0" dirty="0">
+              <a:rPr lang="en-US" sz="1800" kern="100" dirty="0">
                 <a:effectLst/>
+                <a:latin typeface="Calibri" panose="020F0502020204030204" pitchFamily="34" charset="0"/>
+                <a:ea typeface="Calibri" panose="020F0502020204030204" pitchFamily="34" charset="0"/>
+                <a:cs typeface="Times New Roman" panose="02020603050405020304" pitchFamily="18" charset="0"/>
               </a:rPr>
-              <a:t>Develop an automated system to retrieve adverse reaction reports from the Canada Vigilance Database based on drug names provided by the client.</a:t>
-            </a:r>
-            <a:endParaRPr lang="en-US" sz="1800" dirty="0"/>
-          </a:p>
-          <a:p>
-            <a:pPr>
+              <a:t>Manually searching the Canada Vigilance Database for numerous drug products is time-consuming and prone to errors, hindering efficient decision-making.</a:t>
+            </a:r>
+          </a:p>
+          <a:p>
+            <a:pPr marL="228600" marR="0">
               <a:lnSpc>
                 <a:spcPct val="115000"/>
               </a:lnSpc>
@@ -6025,15 +6027,17 @@
               </a:spcAft>
             </a:pPr>
             <a:r>
-              <a:rPr lang="en-US" sz="1800" b="0" i="0" dirty="0">
+              <a:rPr lang="en-GB" sz="1800" kern="100" dirty="0">
                 <a:effectLst/>
+                <a:latin typeface="Calibri" panose="020F0502020204030204" pitchFamily="34" charset="0"/>
+                <a:ea typeface="Calibri" panose="020F0502020204030204" pitchFamily="34" charset="0"/>
+                <a:cs typeface="Times New Roman" panose="02020603050405020304" pitchFamily="18" charset="0"/>
               </a:rPr>
-              <a:t>Fetch drug names listed in a Text file (.txt) provided by the client (stored in a standard storage system like S3) to fetch the Adverse Drug Reaction report.</a:t>
-            </a:r>
-            <a:endParaRPr lang="en-US" sz="1800" dirty="0"/>
-          </a:p>
-          <a:p>
-            <a:pPr>
+              <a:t>The client currently does not have an automated solution for screening drug products, resulting in slower access to crucial data needed for timely decision-making.</a:t>
+            </a:r>
+          </a:p>
+          <a:p>
+            <a:pPr marL="228600" marR="0">
               <a:lnSpc>
                 <a:spcPct val="115000"/>
               </a:lnSpc>
@@ -6045,15 +6049,17 @@
               </a:spcAft>
             </a:pPr>
             <a:r>
-              <a:rPr lang="en-US" sz="1800" b="0" i="0" dirty="0">
+              <a:rPr lang="en-GB" sz="1800" kern="100" dirty="0">
                 <a:effectLst/>
+                <a:latin typeface="Calibri" panose="020F0502020204030204" pitchFamily="34" charset="0"/>
+                <a:ea typeface="Calibri" panose="020F0502020204030204" pitchFamily="34" charset="0"/>
+                <a:cs typeface="Times New Roman" panose="02020603050405020304" pitchFamily="18" charset="0"/>
               </a:rPr>
-              <a:t>Automatically collect and organize relevant adverse reaction reports associated with the specified drugs to ensure timely client notifications via email.</a:t>
-            </a:r>
-            <a:endParaRPr lang="en-US" sz="1800" dirty="0"/>
-          </a:p>
-          <a:p>
-            <a:pPr>
+              <a:t>Ensuring the accuracy and timeliness of retrieved data is challenging, increasing the risk of missing important updates.</a:t>
+            </a:r>
+          </a:p>
+          <a:p>
+            <a:pPr marL="228600" marR="0">
               <a:lnSpc>
                 <a:spcPct val="115000"/>
               </a:lnSpc>
@@ -6065,15 +6071,17 @@
               </a:spcAft>
             </a:pPr>
             <a:r>
-              <a:rPr lang="en-US" sz="1800" b="0" i="0" dirty="0">
+              <a:rPr lang="en-US" sz="1800" kern="100" dirty="0">
                 <a:effectLst/>
+                <a:latin typeface="Calibri" panose="020F0502020204030204" pitchFamily="34" charset="0"/>
+                <a:ea typeface="Calibri" panose="020F0502020204030204" pitchFamily="34" charset="0"/>
+                <a:cs typeface="Times New Roman" panose="02020603050405020304" pitchFamily="18" charset="0"/>
               </a:rPr>
-              <a:t>Send email notifications periodically to the client with the adverse reaction reports for the drugs being monitored.</a:t>
-            </a:r>
-            <a:endParaRPr lang="en-US" sz="1800" dirty="0"/>
-          </a:p>
-          <a:p>
-            <a:pPr>
+              <a:t>The manual approach does not scale well with the growing volume of drug products needing monitoring, leading to operational inefficiencies.</a:t>
+            </a:r>
+          </a:p>
+          <a:p>
+            <a:pPr marL="228600" marR="0">
               <a:lnSpc>
                 <a:spcPct val="115000"/>
               </a:lnSpc>
@@ -6085,45 +6093,14 @@
               </a:spcAft>
             </a:pPr>
             <a:r>
-              <a:rPr lang="en-US" sz="1800" b="0" i="0" dirty="0">
+              <a:rPr lang="en-US" sz="1800" kern="100" dirty="0">
                 <a:effectLst/>
+                <a:latin typeface="Calibri" panose="020F0502020204030204" pitchFamily="34" charset="0"/>
+                <a:ea typeface="Calibri" panose="020F0502020204030204" pitchFamily="34" charset="0"/>
+                <a:cs typeface="Times New Roman" panose="02020603050405020304" pitchFamily="18" charset="0"/>
               </a:rPr>
-              <a:t>Create a PDF file consisting of detailed report of the data fetched from the automated system (Each row of the adverse reaction report generates one page of PDF report).</a:t>
-            </a:r>
-            <a:endParaRPr lang="en-US" sz="1800" dirty="0"/>
-          </a:p>
-          <a:p>
-            <a:pPr>
-              <a:lnSpc>
-                <a:spcPct val="115000"/>
-              </a:lnSpc>
-              <a:spcBef>
-                <a:spcPts val="0"/>
-              </a:spcBef>
-              <a:spcAft>
-                <a:spcPts val="1000"/>
-              </a:spcAft>
-            </a:pPr>
-            <a:r>
-              <a:rPr lang="en-US" sz="1800" b="0" i="0" dirty="0">
-                <a:effectLst/>
-              </a:rPr>
-              <a:t>Store this periodically generated PDF file in a standard storage system like S3</a:t>
-            </a:r>
-            <a:br>
-              <a:rPr lang="en-US" sz="1800" dirty="0"/>
-            </a:br>
-            <a:r>
-              <a:rPr lang="en-US" sz="1800" b="0" i="0" dirty="0">
-                <a:effectLst/>
-              </a:rPr>
-              <a:t>Ensure that only new data is stored in PDF formats and sent in the notifications to prevent duplication, enhancing responsiveness and decision-making.</a:t>
-            </a:r>
-            <a:endParaRPr lang="en-US" kern="100" dirty="0">
-              <a:effectLst/>
-              <a:ea typeface="Calibri" panose="020F0502020204030204" pitchFamily="34" charset="0"/>
-              <a:cs typeface="Times New Roman" panose="02020603050405020304" pitchFamily="18" charset="0"/>
-            </a:endParaRPr>
+              <a:t>The client requires an automated solution to periodically screen the Canada Vigilance Database for specific products on the Health Canada website, streamlining the monitoring process and enhancing overall efficiency.</a:t>
+            </a:r>
           </a:p>
         </p:txBody>
       </p:sp>
@@ -7073,10 +7050,10 @@
       </p:sp>
       <p:sp>
         <p:nvSpPr>
-          <p:cNvPr id="7" name="Rectangle 6">
-            <a:extLst>
-              <a:ext uri="{FF2B5EF4-FFF2-40B4-BE49-F238E27FC236}">
-                <a16:creationId xmlns:a16="http://schemas.microsoft.com/office/drawing/2014/main" id="{2F8B2121-2D3E-6B53-0019-BCA8888E18A2}"/>
+          <p:cNvPr id="54" name="Rectangle 53">
+            <a:extLst>
+              <a:ext uri="{FF2B5EF4-FFF2-40B4-BE49-F238E27FC236}">
+                <a16:creationId xmlns:a16="http://schemas.microsoft.com/office/drawing/2014/main" id="{A83DA786-DE53-08B3-B041-E4F5A022400E}"/>
               </a:ext>
             </a:extLst>
           </p:cNvPr>
@@ -7085,8 +7062,378 @@
         </p:nvSpPr>
         <p:spPr>
           <a:xfrm>
-            <a:off x="6255045" y="2357678"/>
-            <a:ext cx="4595411" cy="3815228"/>
+            <a:off x="1660438" y="1255472"/>
+            <a:ext cx="9530767" cy="5130827"/>
+          </a:xfrm>
+          <a:prstGeom prst="rect">
+            <a:avLst/>
+          </a:prstGeom>
+          <a:noFill/>
+          <a:ln w="12700">
+            <a:solidFill>
+              <a:schemeClr val="tx1"/>
+            </a:solidFill>
+          </a:ln>
+        </p:spPr>
+        <p:style>
+          <a:lnRef idx="2">
+            <a:schemeClr val="accent1">
+              <a:shade val="50000"/>
+            </a:schemeClr>
+          </a:lnRef>
+          <a:fillRef idx="1">
+            <a:schemeClr val="accent1"/>
+          </a:fillRef>
+          <a:effectRef idx="0">
+            <a:schemeClr val="accent1"/>
+          </a:effectRef>
+          <a:fontRef idx="minor">
+            <a:schemeClr val="lt1"/>
+          </a:fontRef>
+        </p:style>
+        <p:txBody>
+          <a:bodyPr lIns="502920" tIns="91440"/>
+          <a:lstStyle>
+            <a:defPPr>
+              <a:defRPr lang="en-US"/>
+            </a:defPPr>
+            <a:lvl1pPr marL="0" algn="l" defTabSz="914400" rtl="0" eaLnBrk="1" latinLnBrk="0" hangingPunct="1">
+              <a:defRPr sz="1800" kern="1200">
+                <a:solidFill>
+                  <a:schemeClr val="lt1"/>
+                </a:solidFill>
+                <a:latin typeface="+mn-lt"/>
+                <a:ea typeface="+mn-ea"/>
+                <a:cs typeface="+mn-cs"/>
+              </a:defRPr>
+            </a:lvl1pPr>
+            <a:lvl2pPr marL="457200" algn="l" defTabSz="914400" rtl="0" eaLnBrk="1" latinLnBrk="0" hangingPunct="1">
+              <a:defRPr sz="1800" kern="1200">
+                <a:solidFill>
+                  <a:schemeClr val="lt1"/>
+                </a:solidFill>
+                <a:latin typeface="+mn-lt"/>
+                <a:ea typeface="+mn-ea"/>
+                <a:cs typeface="+mn-cs"/>
+              </a:defRPr>
+            </a:lvl2pPr>
+            <a:lvl3pPr marL="914400" algn="l" defTabSz="914400" rtl="0" eaLnBrk="1" latinLnBrk="0" hangingPunct="1">
+              <a:defRPr sz="1800" kern="1200">
+                <a:solidFill>
+                  <a:schemeClr val="lt1"/>
+                </a:solidFill>
+                <a:latin typeface="+mn-lt"/>
+                <a:ea typeface="+mn-ea"/>
+                <a:cs typeface="+mn-cs"/>
+              </a:defRPr>
+            </a:lvl3pPr>
+            <a:lvl4pPr marL="1371600" algn="l" defTabSz="914400" rtl="0" eaLnBrk="1" latinLnBrk="0" hangingPunct="1">
+              <a:defRPr sz="1800" kern="1200">
+                <a:solidFill>
+                  <a:schemeClr val="lt1"/>
+                </a:solidFill>
+                <a:latin typeface="+mn-lt"/>
+                <a:ea typeface="+mn-ea"/>
+                <a:cs typeface="+mn-cs"/>
+              </a:defRPr>
+            </a:lvl4pPr>
+            <a:lvl5pPr marL="1828800" algn="l" defTabSz="914400" rtl="0" eaLnBrk="1" latinLnBrk="0" hangingPunct="1">
+              <a:defRPr sz="1800" kern="1200">
+                <a:solidFill>
+                  <a:schemeClr val="lt1"/>
+                </a:solidFill>
+                <a:latin typeface="+mn-lt"/>
+                <a:ea typeface="+mn-ea"/>
+                <a:cs typeface="+mn-cs"/>
+              </a:defRPr>
+            </a:lvl5pPr>
+            <a:lvl6pPr marL="2286000" algn="l" defTabSz="914400" rtl="0" eaLnBrk="1" latinLnBrk="0" hangingPunct="1">
+              <a:defRPr sz="1800" kern="1200">
+                <a:solidFill>
+                  <a:schemeClr val="lt1"/>
+                </a:solidFill>
+                <a:latin typeface="+mn-lt"/>
+                <a:ea typeface="+mn-ea"/>
+                <a:cs typeface="+mn-cs"/>
+              </a:defRPr>
+            </a:lvl6pPr>
+            <a:lvl7pPr marL="2743200" algn="l" defTabSz="914400" rtl="0" eaLnBrk="1" latinLnBrk="0" hangingPunct="1">
+              <a:defRPr sz="1800" kern="1200">
+                <a:solidFill>
+                  <a:schemeClr val="lt1"/>
+                </a:solidFill>
+                <a:latin typeface="+mn-lt"/>
+                <a:ea typeface="+mn-ea"/>
+                <a:cs typeface="+mn-cs"/>
+              </a:defRPr>
+            </a:lvl7pPr>
+            <a:lvl8pPr marL="3200400" algn="l" defTabSz="914400" rtl="0" eaLnBrk="1" latinLnBrk="0" hangingPunct="1">
+              <a:defRPr sz="1800" kern="1200">
+                <a:solidFill>
+                  <a:schemeClr val="lt1"/>
+                </a:solidFill>
+                <a:latin typeface="+mn-lt"/>
+                <a:ea typeface="+mn-ea"/>
+                <a:cs typeface="+mn-cs"/>
+              </a:defRPr>
+            </a:lvl8pPr>
+            <a:lvl9pPr marL="3657600" algn="l" defTabSz="914400" rtl="0" eaLnBrk="1" latinLnBrk="0" hangingPunct="1">
+              <a:defRPr sz="1800" kern="1200">
+                <a:solidFill>
+                  <a:schemeClr val="lt1"/>
+                </a:solidFill>
+                <a:latin typeface="+mn-lt"/>
+                <a:ea typeface="+mn-ea"/>
+                <a:cs typeface="+mn-cs"/>
+              </a:defRPr>
+            </a:lvl9pPr>
+          </a:lstStyle>
+          <a:p>
+            <a:pPr eaLnBrk="1" fontAlgn="auto" hangingPunct="1">
+              <a:spcBef>
+                <a:spcPts val="0"/>
+              </a:spcBef>
+              <a:spcAft>
+                <a:spcPts val="0"/>
+              </a:spcAft>
+              <a:defRPr/>
+            </a:pPr>
+            <a:r>
+              <a:rPr lang="en-US" sz="800" dirty="0">
+                <a:solidFill>
+                  <a:sysClr val="windowText" lastClr="000000"/>
+                </a:solidFill>
+                <a:cs typeface="Arial" panose="020B0604020202020204" pitchFamily="34" charset="0"/>
+              </a:rPr>
+              <a:t>AWS Cloud</a:t>
+            </a:r>
+          </a:p>
+        </p:txBody>
+      </p:sp>
+      <p:pic>
+        <p:nvPicPr>
+          <p:cNvPr id="55" name="Graphic 33">
+            <a:extLst>
+              <a:ext uri="{FF2B5EF4-FFF2-40B4-BE49-F238E27FC236}">
+                <a16:creationId xmlns:a16="http://schemas.microsoft.com/office/drawing/2014/main" id="{AA66C564-CF30-287C-FDA8-53679BDC5ED9}"/>
+              </a:ext>
+            </a:extLst>
+          </p:cNvPr>
+          <p:cNvPicPr>
+            <a:picLocks noChangeAspect="1"/>
+          </p:cNvPicPr>
+          <p:nvPr/>
+        </p:nvPicPr>
+        <p:blipFill>
+          <a:blip r:embed="rId3" cstate="print"/>
+          <a:srcRect/>
+          <a:stretch/>
+        </p:blipFill>
+        <p:spPr>
+          <a:xfrm>
+            <a:off x="1660438" y="1259938"/>
+            <a:ext cx="381000" cy="381000"/>
+          </a:xfrm>
+          <a:prstGeom prst="rect">
+            <a:avLst/>
+          </a:prstGeom>
+        </p:spPr>
+      </p:pic>
+      <p:pic>
+        <p:nvPicPr>
+          <p:cNvPr id="56" name="Picture 55" descr="Api ">
+            <a:extLst>
+              <a:ext uri="{FF2B5EF4-FFF2-40B4-BE49-F238E27FC236}">
+                <a16:creationId xmlns:a16="http://schemas.microsoft.com/office/drawing/2014/main" id="{E11E4797-793D-2A97-A6F0-D2F0520176F3}"/>
+              </a:ext>
+            </a:extLst>
+          </p:cNvPr>
+          <p:cNvPicPr>
+            <a:picLocks noChangeAspect="1" noChangeArrowheads="1"/>
+          </p:cNvPicPr>
+          <p:nvPr/>
+        </p:nvPicPr>
+        <p:blipFill>
+          <a:blip r:embed="rId4">
+            <a:extLst>
+              <a:ext uri="{28A0092B-C50C-407E-A947-70E740481C1C}">
+                <a14:useLocalDpi xmlns:a14="http://schemas.microsoft.com/office/drawing/2010/main" val="0"/>
+              </a:ext>
+            </a:extLst>
+          </a:blip>
+          <a:srcRect/>
+          <a:stretch>
+            <a:fillRect/>
+          </a:stretch>
+        </p:blipFill>
+        <p:spPr bwMode="auto">
+          <a:xfrm>
+            <a:off x="566394" y="4133475"/>
+            <a:ext cx="502920" cy="502920"/>
+          </a:xfrm>
+          <a:prstGeom prst="rect">
+            <a:avLst/>
+          </a:prstGeom>
+          <a:noFill/>
+          <a:extLst>
+            <a:ext uri="{909E8E84-426E-40DD-AFC4-6F175D3DCCD1}">
+              <a14:hiddenFill xmlns:a14="http://schemas.microsoft.com/office/drawing/2010/main">
+                <a:solidFill>
+                  <a:srgbClr val="FFFFFF"/>
+                </a:solidFill>
+              </a14:hiddenFill>
+            </a:ext>
+          </a:extLst>
+        </p:spPr>
+      </p:pic>
+      <p:sp>
+        <p:nvSpPr>
+          <p:cNvPr id="57" name="TextBox 119">
+            <a:extLst>
+              <a:ext uri="{FF2B5EF4-FFF2-40B4-BE49-F238E27FC236}">
+                <a16:creationId xmlns:a16="http://schemas.microsoft.com/office/drawing/2014/main" id="{DC6D93D5-0006-E7B3-45D7-34822E9D1001}"/>
+              </a:ext>
+            </a:extLst>
+          </p:cNvPr>
+          <p:cNvSpPr txBox="1"/>
+          <p:nvPr/>
+        </p:nvSpPr>
+        <p:spPr>
+          <a:xfrm>
+            <a:off x="494500" y="4654403"/>
+            <a:ext cx="1262380" cy="215444"/>
+          </a:xfrm>
+          <a:prstGeom prst="rect">
+            <a:avLst/>
+          </a:prstGeom>
+          <a:noFill/>
+        </p:spPr>
+        <p:txBody>
+          <a:bodyPr wrap="square" rtlCol="0">
+            <a:spAutoFit/>
+          </a:bodyPr>
+          <a:lstStyle>
+            <a:defPPr>
+              <a:defRPr lang="en-US"/>
+            </a:defPPr>
+            <a:lvl1pPr marL="0" algn="l" defTabSz="914400" rtl="0" eaLnBrk="1" latinLnBrk="0" hangingPunct="1">
+              <a:defRPr sz="1800" kern="1200">
+                <a:solidFill>
+                  <a:schemeClr val="tx1"/>
+                </a:solidFill>
+                <a:latin typeface="+mn-lt"/>
+                <a:ea typeface="+mn-ea"/>
+                <a:cs typeface="+mn-cs"/>
+              </a:defRPr>
+            </a:lvl1pPr>
+            <a:lvl2pPr marL="457200" algn="l" defTabSz="914400" rtl="0" eaLnBrk="1" latinLnBrk="0" hangingPunct="1">
+              <a:defRPr sz="1800" kern="1200">
+                <a:solidFill>
+                  <a:schemeClr val="tx1"/>
+                </a:solidFill>
+                <a:latin typeface="+mn-lt"/>
+                <a:ea typeface="+mn-ea"/>
+                <a:cs typeface="+mn-cs"/>
+              </a:defRPr>
+            </a:lvl2pPr>
+            <a:lvl3pPr marL="914400" algn="l" defTabSz="914400" rtl="0" eaLnBrk="1" latinLnBrk="0" hangingPunct="1">
+              <a:defRPr sz="1800" kern="1200">
+                <a:solidFill>
+                  <a:schemeClr val="tx1"/>
+                </a:solidFill>
+                <a:latin typeface="+mn-lt"/>
+                <a:ea typeface="+mn-ea"/>
+                <a:cs typeface="+mn-cs"/>
+              </a:defRPr>
+            </a:lvl3pPr>
+            <a:lvl4pPr marL="1371600" algn="l" defTabSz="914400" rtl="0" eaLnBrk="1" latinLnBrk="0" hangingPunct="1">
+              <a:defRPr sz="1800" kern="1200">
+                <a:solidFill>
+                  <a:schemeClr val="tx1"/>
+                </a:solidFill>
+                <a:latin typeface="+mn-lt"/>
+                <a:ea typeface="+mn-ea"/>
+                <a:cs typeface="+mn-cs"/>
+              </a:defRPr>
+            </a:lvl4pPr>
+            <a:lvl5pPr marL="1828800" algn="l" defTabSz="914400" rtl="0" eaLnBrk="1" latinLnBrk="0" hangingPunct="1">
+              <a:defRPr sz="1800" kern="1200">
+                <a:solidFill>
+                  <a:schemeClr val="tx1"/>
+                </a:solidFill>
+                <a:latin typeface="+mn-lt"/>
+                <a:ea typeface="+mn-ea"/>
+                <a:cs typeface="+mn-cs"/>
+              </a:defRPr>
+            </a:lvl5pPr>
+            <a:lvl6pPr marL="2286000" algn="l" defTabSz="914400" rtl="0" eaLnBrk="1" latinLnBrk="0" hangingPunct="1">
+              <a:defRPr sz="1800" kern="1200">
+                <a:solidFill>
+                  <a:schemeClr val="tx1"/>
+                </a:solidFill>
+                <a:latin typeface="+mn-lt"/>
+                <a:ea typeface="+mn-ea"/>
+                <a:cs typeface="+mn-cs"/>
+              </a:defRPr>
+            </a:lvl6pPr>
+            <a:lvl7pPr marL="2743200" algn="l" defTabSz="914400" rtl="0" eaLnBrk="1" latinLnBrk="0" hangingPunct="1">
+              <a:defRPr sz="1800" kern="1200">
+                <a:solidFill>
+                  <a:schemeClr val="tx1"/>
+                </a:solidFill>
+                <a:latin typeface="+mn-lt"/>
+                <a:ea typeface="+mn-ea"/>
+                <a:cs typeface="+mn-cs"/>
+              </a:defRPr>
+            </a:lvl7pPr>
+            <a:lvl8pPr marL="3200400" algn="l" defTabSz="914400" rtl="0" eaLnBrk="1" latinLnBrk="0" hangingPunct="1">
+              <a:defRPr sz="1800" kern="1200">
+                <a:solidFill>
+                  <a:schemeClr val="tx1"/>
+                </a:solidFill>
+                <a:latin typeface="+mn-lt"/>
+                <a:ea typeface="+mn-ea"/>
+                <a:cs typeface="+mn-cs"/>
+              </a:defRPr>
+            </a:lvl8pPr>
+            <a:lvl9pPr marL="3657600" algn="l" defTabSz="914400" rtl="0" eaLnBrk="1" latinLnBrk="0" hangingPunct="1">
+              <a:defRPr sz="1800" kern="1200">
+                <a:solidFill>
+                  <a:schemeClr val="tx1"/>
+                </a:solidFill>
+                <a:latin typeface="+mn-lt"/>
+                <a:ea typeface="+mn-ea"/>
+                <a:cs typeface="+mn-cs"/>
+              </a:defRPr>
+            </a:lvl9pPr>
+          </a:lstStyle>
+          <a:p>
+            <a:r>
+              <a:rPr lang="en-IN" sz="800" dirty="0">
+                <a:ea typeface="Calibri" panose="020F0502020204030204" pitchFamily="34" charset="0"/>
+                <a:cs typeface="Calibri" panose="020F0502020204030204" pitchFamily="34" charset="0"/>
+              </a:rPr>
+              <a:t>Source data</a:t>
+            </a:r>
+          </a:p>
+        </p:txBody>
+      </p:sp>
+      <p:sp>
+        <p:nvSpPr>
+          <p:cNvPr id="58" name="Rectangle 57">
+            <a:extLst>
+              <a:ext uri="{FF2B5EF4-FFF2-40B4-BE49-F238E27FC236}">
+                <a16:creationId xmlns:a16="http://schemas.microsoft.com/office/drawing/2014/main" id="{387AECA9-9DD3-1016-7B1D-D59DE1BC51C0}"/>
+              </a:ext>
+            </a:extLst>
+          </p:cNvPr>
+          <p:cNvSpPr/>
+          <p:nvPr/>
+        </p:nvSpPr>
+        <p:spPr>
+          <a:xfrm>
+            <a:off x="1874069" y="1853165"/>
+            <a:ext cx="4700584" cy="3833260"/>
           </a:xfrm>
           <a:prstGeom prst="rect">
             <a:avLst/>
@@ -7236,178 +7583,16 @@
             </a:lvl9pPr>
           </a:lstStyle>
           <a:p>
-            <a:endParaRPr lang="en-IN" sz="900" dirty="0"/>
-          </a:p>
-        </p:txBody>
-      </p:sp>
-      <p:sp>
-        <p:nvSpPr>
-          <p:cNvPr id="8" name="Rectangle 7">
-            <a:extLst>
-              <a:ext uri="{FF2B5EF4-FFF2-40B4-BE49-F238E27FC236}">
-                <a16:creationId xmlns:a16="http://schemas.microsoft.com/office/drawing/2014/main" id="{8F8F73D6-E884-EBDE-6A29-3E05C317062B}"/>
-              </a:ext>
-            </a:extLst>
-          </p:cNvPr>
-          <p:cNvSpPr/>
-          <p:nvPr/>
-        </p:nvSpPr>
-        <p:spPr>
-          <a:xfrm>
-            <a:off x="862345" y="1308420"/>
-            <a:ext cx="10467309" cy="5132845"/>
-          </a:xfrm>
-          <a:prstGeom prst="rect">
-            <a:avLst/>
-          </a:prstGeom>
-          <a:noFill/>
-          <a:ln w="12700">
-            <a:solidFill>
-              <a:schemeClr val="tx1"/>
-            </a:solidFill>
-          </a:ln>
-        </p:spPr>
-        <p:style>
-          <a:lnRef idx="2">
-            <a:schemeClr val="accent1">
-              <a:shade val="50000"/>
-            </a:schemeClr>
-          </a:lnRef>
-          <a:fillRef idx="1">
-            <a:schemeClr val="accent1"/>
-          </a:fillRef>
-          <a:effectRef idx="0">
-            <a:schemeClr val="accent1"/>
-          </a:effectRef>
-          <a:fontRef idx="minor">
-            <a:schemeClr val="lt1"/>
-          </a:fontRef>
-        </p:style>
-        <p:txBody>
-          <a:bodyPr lIns="502920" tIns="91440"/>
-          <a:lstStyle>
-            <a:defPPr>
-              <a:defRPr lang="en-US"/>
-            </a:defPPr>
-            <a:lvl1pPr marL="0" algn="l" defTabSz="914400" rtl="0" eaLnBrk="1" latinLnBrk="0" hangingPunct="1">
-              <a:defRPr sz="1800" kern="1200">
-                <a:solidFill>
-                  <a:schemeClr val="lt1"/>
-                </a:solidFill>
-                <a:latin typeface="+mn-lt"/>
-                <a:ea typeface="+mn-ea"/>
-                <a:cs typeface="+mn-cs"/>
-              </a:defRPr>
-            </a:lvl1pPr>
-            <a:lvl2pPr marL="457200" algn="l" defTabSz="914400" rtl="0" eaLnBrk="1" latinLnBrk="0" hangingPunct="1">
-              <a:defRPr sz="1800" kern="1200">
-                <a:solidFill>
-                  <a:schemeClr val="lt1"/>
-                </a:solidFill>
-                <a:latin typeface="+mn-lt"/>
-                <a:ea typeface="+mn-ea"/>
-                <a:cs typeface="+mn-cs"/>
-              </a:defRPr>
-            </a:lvl2pPr>
-            <a:lvl3pPr marL="914400" algn="l" defTabSz="914400" rtl="0" eaLnBrk="1" latinLnBrk="0" hangingPunct="1">
-              <a:defRPr sz="1800" kern="1200">
-                <a:solidFill>
-                  <a:schemeClr val="lt1"/>
-                </a:solidFill>
-                <a:latin typeface="+mn-lt"/>
-                <a:ea typeface="+mn-ea"/>
-                <a:cs typeface="+mn-cs"/>
-              </a:defRPr>
-            </a:lvl3pPr>
-            <a:lvl4pPr marL="1371600" algn="l" defTabSz="914400" rtl="0" eaLnBrk="1" latinLnBrk="0" hangingPunct="1">
-              <a:defRPr sz="1800" kern="1200">
-                <a:solidFill>
-                  <a:schemeClr val="lt1"/>
-                </a:solidFill>
-                <a:latin typeface="+mn-lt"/>
-                <a:ea typeface="+mn-ea"/>
-                <a:cs typeface="+mn-cs"/>
-              </a:defRPr>
-            </a:lvl4pPr>
-            <a:lvl5pPr marL="1828800" algn="l" defTabSz="914400" rtl="0" eaLnBrk="1" latinLnBrk="0" hangingPunct="1">
-              <a:defRPr sz="1800" kern="1200">
-                <a:solidFill>
-                  <a:schemeClr val="lt1"/>
-                </a:solidFill>
-                <a:latin typeface="+mn-lt"/>
-                <a:ea typeface="+mn-ea"/>
-                <a:cs typeface="+mn-cs"/>
-              </a:defRPr>
-            </a:lvl5pPr>
-            <a:lvl6pPr marL="2286000" algn="l" defTabSz="914400" rtl="0" eaLnBrk="1" latinLnBrk="0" hangingPunct="1">
-              <a:defRPr sz="1800" kern="1200">
-                <a:solidFill>
-                  <a:schemeClr val="lt1"/>
-                </a:solidFill>
-                <a:latin typeface="+mn-lt"/>
-                <a:ea typeface="+mn-ea"/>
-                <a:cs typeface="+mn-cs"/>
-              </a:defRPr>
-            </a:lvl6pPr>
-            <a:lvl7pPr marL="2743200" algn="l" defTabSz="914400" rtl="0" eaLnBrk="1" latinLnBrk="0" hangingPunct="1">
-              <a:defRPr sz="1800" kern="1200">
-                <a:solidFill>
-                  <a:schemeClr val="lt1"/>
-                </a:solidFill>
-                <a:latin typeface="+mn-lt"/>
-                <a:ea typeface="+mn-ea"/>
-                <a:cs typeface="+mn-cs"/>
-              </a:defRPr>
-            </a:lvl7pPr>
-            <a:lvl8pPr marL="3200400" algn="l" defTabSz="914400" rtl="0" eaLnBrk="1" latinLnBrk="0" hangingPunct="1">
-              <a:defRPr sz="1800" kern="1200">
-                <a:solidFill>
-                  <a:schemeClr val="lt1"/>
-                </a:solidFill>
-                <a:latin typeface="+mn-lt"/>
-                <a:ea typeface="+mn-ea"/>
-                <a:cs typeface="+mn-cs"/>
-              </a:defRPr>
-            </a:lvl8pPr>
-            <a:lvl9pPr marL="3657600" algn="l" defTabSz="914400" rtl="0" eaLnBrk="1" latinLnBrk="0" hangingPunct="1">
-              <a:defRPr sz="1800" kern="1200">
-                <a:solidFill>
-                  <a:schemeClr val="lt1"/>
-                </a:solidFill>
-                <a:latin typeface="+mn-lt"/>
-                <a:ea typeface="+mn-ea"/>
-                <a:cs typeface="+mn-cs"/>
-              </a:defRPr>
-            </a:lvl9pPr>
-          </a:lstStyle>
-          <a:p>
-            <a:pPr eaLnBrk="1" fontAlgn="auto" hangingPunct="1">
-              <a:spcBef>
-                <a:spcPts val="0"/>
-              </a:spcBef>
-              <a:spcAft>
-                <a:spcPts val="0"/>
-              </a:spcAft>
-              <a:defRPr/>
-            </a:pPr>
-            <a:r>
-              <a:rPr lang="en-US" sz="900" dirty="0">
-                <a:solidFill>
-                  <a:sysClr val="windowText" lastClr="000000"/>
-                </a:solidFill>
-                <a:cs typeface="Arial" panose="020B0604020202020204" pitchFamily="34" charset="0"/>
-              </a:rPr>
-              <a:t>AWS Cloud</a:t>
-            </a:r>
+            <a:endParaRPr lang="en-IN" sz="800" dirty="0"/>
           </a:p>
         </p:txBody>
       </p:sp>
       <p:pic>
         <p:nvPicPr>
-          <p:cNvPr id="9" name="Graphic 33">
-            <a:extLst>
-              <a:ext uri="{FF2B5EF4-FFF2-40B4-BE49-F238E27FC236}">
-                <a16:creationId xmlns:a16="http://schemas.microsoft.com/office/drawing/2014/main" id="{59C63FCF-226D-0D5B-21A7-F5241BC77CC6}"/>
+          <p:cNvPr id="59" name="Graphic 3">
+            <a:extLst>
+              <a:ext uri="{FF2B5EF4-FFF2-40B4-BE49-F238E27FC236}">
+                <a16:creationId xmlns:a16="http://schemas.microsoft.com/office/drawing/2014/main" id="{BF73B4BE-7E06-CCE1-E6F1-4BD184E9363B}"/>
               </a:ext>
             </a:extLst>
           </p:cNvPr>
@@ -7417,14 +7602,20 @@
           <p:nvPr/>
         </p:nvPicPr>
         <p:blipFill>
-          <a:blip r:embed="rId3" cstate="print"/>
+          <a:blip r:embed="rId5">
+            <a:extLst>
+              <a:ext uri="{96DAC541-7B7A-43D3-8B79-37D633B846F1}">
+                <asvg:svgBlip xmlns:asvg="http://schemas.microsoft.com/office/drawing/2016/SVG/main" r:embed="rId6"/>
+              </a:ext>
+            </a:extLst>
+          </a:blip>
           <a:srcRect/>
           <a:stretch/>
         </p:blipFill>
         <p:spPr>
           <a:xfrm>
-            <a:off x="865416" y="1312064"/>
-            <a:ext cx="384902" cy="368547"/>
+            <a:off x="5926476" y="1943481"/>
+            <a:ext cx="552925" cy="552925"/>
           </a:xfrm>
           <a:prstGeom prst="rect">
             <a:avLst/>
@@ -7433,10 +7624,423 @@
       </p:pic>
       <p:sp>
         <p:nvSpPr>
-          <p:cNvPr id="11" name="Rectangle 10">
-            <a:extLst>
-              <a:ext uri="{FF2B5EF4-FFF2-40B4-BE49-F238E27FC236}">
-                <a16:creationId xmlns:a16="http://schemas.microsoft.com/office/drawing/2014/main" id="{79364D08-284B-4B76-1FEA-EBCDEA14C98F}"/>
+          <p:cNvPr id="60" name="TextBox 122">
+            <a:extLst>
+              <a:ext uri="{FF2B5EF4-FFF2-40B4-BE49-F238E27FC236}">
+                <a16:creationId xmlns:a16="http://schemas.microsoft.com/office/drawing/2014/main" id="{5CFD826B-A45D-9853-5B54-EBF0C6621140}"/>
+              </a:ext>
+            </a:extLst>
+          </p:cNvPr>
+          <p:cNvSpPr txBox="1"/>
+          <p:nvPr/>
+        </p:nvSpPr>
+        <p:spPr>
+          <a:xfrm>
+            <a:off x="5604301" y="2474571"/>
+            <a:ext cx="1065075" cy="461665"/>
+          </a:xfrm>
+          <a:prstGeom prst="rect">
+            <a:avLst/>
+          </a:prstGeom>
+          <a:noFill/>
+        </p:spPr>
+        <p:txBody>
+          <a:bodyPr wrap="square" rtlCol="0">
+            <a:spAutoFit/>
+          </a:bodyPr>
+          <a:lstStyle>
+            <a:defPPr>
+              <a:defRPr lang="en-US"/>
+            </a:defPPr>
+            <a:lvl1pPr marL="0" algn="l" defTabSz="914400" rtl="0" eaLnBrk="1" latinLnBrk="0" hangingPunct="1">
+              <a:defRPr sz="1800" kern="1200">
+                <a:solidFill>
+                  <a:schemeClr val="tx1"/>
+                </a:solidFill>
+                <a:latin typeface="+mn-lt"/>
+                <a:ea typeface="+mn-ea"/>
+                <a:cs typeface="+mn-cs"/>
+              </a:defRPr>
+            </a:lvl1pPr>
+            <a:lvl2pPr marL="457200" algn="l" defTabSz="914400" rtl="0" eaLnBrk="1" latinLnBrk="0" hangingPunct="1">
+              <a:defRPr sz="1800" kern="1200">
+                <a:solidFill>
+                  <a:schemeClr val="tx1"/>
+                </a:solidFill>
+                <a:latin typeface="+mn-lt"/>
+                <a:ea typeface="+mn-ea"/>
+                <a:cs typeface="+mn-cs"/>
+              </a:defRPr>
+            </a:lvl2pPr>
+            <a:lvl3pPr marL="914400" algn="l" defTabSz="914400" rtl="0" eaLnBrk="1" latinLnBrk="0" hangingPunct="1">
+              <a:defRPr sz="1800" kern="1200">
+                <a:solidFill>
+                  <a:schemeClr val="tx1"/>
+                </a:solidFill>
+                <a:latin typeface="+mn-lt"/>
+                <a:ea typeface="+mn-ea"/>
+                <a:cs typeface="+mn-cs"/>
+              </a:defRPr>
+            </a:lvl3pPr>
+            <a:lvl4pPr marL="1371600" algn="l" defTabSz="914400" rtl="0" eaLnBrk="1" latinLnBrk="0" hangingPunct="1">
+              <a:defRPr sz="1800" kern="1200">
+                <a:solidFill>
+                  <a:schemeClr val="tx1"/>
+                </a:solidFill>
+                <a:latin typeface="+mn-lt"/>
+                <a:ea typeface="+mn-ea"/>
+                <a:cs typeface="+mn-cs"/>
+              </a:defRPr>
+            </a:lvl4pPr>
+            <a:lvl5pPr marL="1828800" algn="l" defTabSz="914400" rtl="0" eaLnBrk="1" latinLnBrk="0" hangingPunct="1">
+              <a:defRPr sz="1800" kern="1200">
+                <a:solidFill>
+                  <a:schemeClr val="tx1"/>
+                </a:solidFill>
+                <a:latin typeface="+mn-lt"/>
+                <a:ea typeface="+mn-ea"/>
+                <a:cs typeface="+mn-cs"/>
+              </a:defRPr>
+            </a:lvl5pPr>
+            <a:lvl6pPr marL="2286000" algn="l" defTabSz="914400" rtl="0" eaLnBrk="1" latinLnBrk="0" hangingPunct="1">
+              <a:defRPr sz="1800" kern="1200">
+                <a:solidFill>
+                  <a:schemeClr val="tx1"/>
+                </a:solidFill>
+                <a:latin typeface="+mn-lt"/>
+                <a:ea typeface="+mn-ea"/>
+                <a:cs typeface="+mn-cs"/>
+              </a:defRPr>
+            </a:lvl6pPr>
+            <a:lvl7pPr marL="2743200" algn="l" defTabSz="914400" rtl="0" eaLnBrk="1" latinLnBrk="0" hangingPunct="1">
+              <a:defRPr sz="1800" kern="1200">
+                <a:solidFill>
+                  <a:schemeClr val="tx1"/>
+                </a:solidFill>
+                <a:latin typeface="+mn-lt"/>
+                <a:ea typeface="+mn-ea"/>
+                <a:cs typeface="+mn-cs"/>
+              </a:defRPr>
+            </a:lvl7pPr>
+            <a:lvl8pPr marL="3200400" algn="l" defTabSz="914400" rtl="0" eaLnBrk="1" latinLnBrk="0" hangingPunct="1">
+              <a:defRPr sz="1800" kern="1200">
+                <a:solidFill>
+                  <a:schemeClr val="tx1"/>
+                </a:solidFill>
+                <a:latin typeface="+mn-lt"/>
+                <a:ea typeface="+mn-ea"/>
+                <a:cs typeface="+mn-cs"/>
+              </a:defRPr>
+            </a:lvl8pPr>
+            <a:lvl9pPr marL="3657600" algn="l" defTabSz="914400" rtl="0" eaLnBrk="1" latinLnBrk="0" hangingPunct="1">
+              <a:defRPr sz="1800" kern="1200">
+                <a:solidFill>
+                  <a:schemeClr val="tx1"/>
+                </a:solidFill>
+                <a:latin typeface="+mn-lt"/>
+                <a:ea typeface="+mn-ea"/>
+                <a:cs typeface="+mn-cs"/>
+              </a:defRPr>
+            </a:lvl9pPr>
+          </a:lstStyle>
+          <a:p>
+            <a:pPr algn="ctr"/>
+            <a:r>
+              <a:rPr lang="en-IN" sz="800" b="1" dirty="0">
+                <a:ea typeface="Calibri" panose="020F0502020204030204" pitchFamily="34" charset="0"/>
+                <a:cs typeface="Calibri" panose="020F0502020204030204" pitchFamily="34" charset="0"/>
+              </a:rPr>
+              <a:t>IAM role </a:t>
+            </a:r>
+            <a:r>
+              <a:rPr lang="en-IN" sz="800" dirty="0">
+                <a:ea typeface="Calibri" panose="020F0502020204030204" pitchFamily="34" charset="0"/>
+                <a:cs typeface="Calibri" panose="020F0502020204030204" pitchFamily="34" charset="0"/>
+              </a:rPr>
+              <a:t>with S3 read write access and access to SNS</a:t>
+            </a:r>
+          </a:p>
+        </p:txBody>
+      </p:sp>
+      <p:pic>
+        <p:nvPicPr>
+          <p:cNvPr id="61" name="Graphic 13">
+            <a:extLst>
+              <a:ext uri="{FF2B5EF4-FFF2-40B4-BE49-F238E27FC236}">
+                <a16:creationId xmlns:a16="http://schemas.microsoft.com/office/drawing/2014/main" id="{58A8C1E2-C219-8F13-E0D8-90F07465E3DE}"/>
+              </a:ext>
+            </a:extLst>
+          </p:cNvPr>
+          <p:cNvPicPr>
+            <a:picLocks noChangeAspect="1" noChangeArrowheads="1"/>
+          </p:cNvPicPr>
+          <p:nvPr/>
+        </p:nvPicPr>
+        <p:blipFill>
+          <a:blip r:embed="rId7">
+            <a:extLst>
+              <a:ext uri="{28A0092B-C50C-407E-A947-70E740481C1C}">
+                <a14:useLocalDpi xmlns:a14="http://schemas.microsoft.com/office/drawing/2010/main" val="0"/>
+              </a:ext>
+            </a:extLst>
+          </a:blip>
+          <a:srcRect/>
+          <a:stretch>
+            <a:fillRect/>
+          </a:stretch>
+        </p:blipFill>
+        <p:spPr bwMode="auto">
+          <a:xfrm>
+            <a:off x="2921984" y="3996796"/>
+            <a:ext cx="766445" cy="766445"/>
+          </a:xfrm>
+          <a:prstGeom prst="rect">
+            <a:avLst/>
+          </a:prstGeom>
+          <a:noFill/>
+          <a:ln>
+            <a:noFill/>
+          </a:ln>
+          <a:extLst>
+            <a:ext uri="{909E8E84-426E-40DD-AFC4-6F175D3DCCD1}">
+              <a14:hiddenFill xmlns:a14="http://schemas.microsoft.com/office/drawing/2010/main">
+                <a:solidFill>
+                  <a:srgbClr val="FFFFFF"/>
+                </a:solidFill>
+              </a14:hiddenFill>
+            </a:ext>
+            <a:ext uri="{91240B29-F687-4F45-9708-019B960494DF}">
+              <a14:hiddenLine xmlns:a14="http://schemas.microsoft.com/office/drawing/2010/main" w="9525">
+                <a:solidFill>
+                  <a:srgbClr val="000000"/>
+                </a:solidFill>
+                <a:miter lim="800000"/>
+                <a:headEnd/>
+                <a:tailEnd/>
+              </a14:hiddenLine>
+            </a:ext>
+          </a:extLst>
+        </p:spPr>
+      </p:pic>
+      <p:pic>
+        <p:nvPicPr>
+          <p:cNvPr id="62" name="Graphic 63">
+            <a:extLst>
+              <a:ext uri="{FF2B5EF4-FFF2-40B4-BE49-F238E27FC236}">
+                <a16:creationId xmlns:a16="http://schemas.microsoft.com/office/drawing/2014/main" id="{746C8A00-1390-E930-3AB6-A751F592D89D}"/>
+              </a:ext>
+            </a:extLst>
+          </p:cNvPr>
+          <p:cNvPicPr>
+            <a:picLocks noChangeAspect="1" noChangeArrowheads="1"/>
+          </p:cNvPicPr>
+          <p:nvPr/>
+        </p:nvPicPr>
+        <p:blipFill>
+          <a:blip r:embed="rId8">
+            <a:extLst>
+              <a:ext uri="{28A0092B-C50C-407E-A947-70E740481C1C}">
+                <a14:useLocalDpi xmlns:a14="http://schemas.microsoft.com/office/drawing/2010/main" val="0"/>
+              </a:ext>
+            </a:extLst>
+          </a:blip>
+          <a:srcRect/>
+          <a:stretch>
+            <a:fillRect/>
+          </a:stretch>
+        </p:blipFill>
+        <p:spPr bwMode="auto">
+          <a:xfrm>
+            <a:off x="4350555" y="2624529"/>
+            <a:ext cx="739170" cy="739170"/>
+          </a:xfrm>
+          <a:prstGeom prst="rect">
+            <a:avLst/>
+          </a:prstGeom>
+          <a:noFill/>
+          <a:ln>
+            <a:noFill/>
+          </a:ln>
+          <a:extLst>
+            <a:ext uri="{909E8E84-426E-40DD-AFC4-6F175D3DCCD1}">
+              <a14:hiddenFill xmlns:a14="http://schemas.microsoft.com/office/drawing/2010/main">
+                <a:solidFill>
+                  <a:srgbClr val="FFFFFF"/>
+                </a:solidFill>
+              </a14:hiddenFill>
+            </a:ext>
+            <a:ext uri="{91240B29-F687-4F45-9708-019B960494DF}">
+              <a14:hiddenLine xmlns:a14="http://schemas.microsoft.com/office/drawing/2010/main" w="9525">
+                <a:solidFill>
+                  <a:srgbClr val="000000"/>
+                </a:solidFill>
+                <a:miter lim="800000"/>
+                <a:headEnd/>
+                <a:tailEnd/>
+              </a14:hiddenLine>
+            </a:ext>
+          </a:extLst>
+        </p:spPr>
+      </p:pic>
+      <p:sp>
+        <p:nvSpPr>
+          <p:cNvPr id="63" name="TextBox 134">
+            <a:extLst>
+              <a:ext uri="{FF2B5EF4-FFF2-40B4-BE49-F238E27FC236}">
+                <a16:creationId xmlns:a16="http://schemas.microsoft.com/office/drawing/2014/main" id="{83FFA58C-190D-7279-5699-6C55C7655734}"/>
+              </a:ext>
+            </a:extLst>
+          </p:cNvPr>
+          <p:cNvSpPr txBox="1"/>
+          <p:nvPr/>
+        </p:nvSpPr>
+        <p:spPr>
+          <a:xfrm>
+            <a:off x="4676064" y="3240515"/>
+            <a:ext cx="1298598" cy="584775"/>
+          </a:xfrm>
+          <a:prstGeom prst="rect">
+            <a:avLst/>
+          </a:prstGeom>
+          <a:noFill/>
+        </p:spPr>
+        <p:txBody>
+          <a:bodyPr wrap="square" rtlCol="0">
+            <a:spAutoFit/>
+          </a:bodyPr>
+          <a:lstStyle>
+            <a:defPPr>
+              <a:defRPr lang="en-US"/>
+            </a:defPPr>
+            <a:lvl1pPr marL="0" algn="l" defTabSz="914400" rtl="0" eaLnBrk="1" latinLnBrk="0" hangingPunct="1">
+              <a:defRPr sz="1800" kern="1200">
+                <a:solidFill>
+                  <a:schemeClr val="tx1"/>
+                </a:solidFill>
+                <a:latin typeface="+mn-lt"/>
+                <a:ea typeface="+mn-ea"/>
+                <a:cs typeface="+mn-cs"/>
+              </a:defRPr>
+            </a:lvl1pPr>
+            <a:lvl2pPr marL="457200" algn="l" defTabSz="914400" rtl="0" eaLnBrk="1" latinLnBrk="0" hangingPunct="1">
+              <a:defRPr sz="1800" kern="1200">
+                <a:solidFill>
+                  <a:schemeClr val="tx1"/>
+                </a:solidFill>
+                <a:latin typeface="+mn-lt"/>
+                <a:ea typeface="+mn-ea"/>
+                <a:cs typeface="+mn-cs"/>
+              </a:defRPr>
+            </a:lvl2pPr>
+            <a:lvl3pPr marL="914400" algn="l" defTabSz="914400" rtl="0" eaLnBrk="1" latinLnBrk="0" hangingPunct="1">
+              <a:defRPr sz="1800" kern="1200">
+                <a:solidFill>
+                  <a:schemeClr val="tx1"/>
+                </a:solidFill>
+                <a:latin typeface="+mn-lt"/>
+                <a:ea typeface="+mn-ea"/>
+                <a:cs typeface="+mn-cs"/>
+              </a:defRPr>
+            </a:lvl3pPr>
+            <a:lvl4pPr marL="1371600" algn="l" defTabSz="914400" rtl="0" eaLnBrk="1" latinLnBrk="0" hangingPunct="1">
+              <a:defRPr sz="1800" kern="1200">
+                <a:solidFill>
+                  <a:schemeClr val="tx1"/>
+                </a:solidFill>
+                <a:latin typeface="+mn-lt"/>
+                <a:ea typeface="+mn-ea"/>
+                <a:cs typeface="+mn-cs"/>
+              </a:defRPr>
+            </a:lvl4pPr>
+            <a:lvl5pPr marL="1828800" algn="l" defTabSz="914400" rtl="0" eaLnBrk="1" latinLnBrk="0" hangingPunct="1">
+              <a:defRPr sz="1800" kern="1200">
+                <a:solidFill>
+                  <a:schemeClr val="tx1"/>
+                </a:solidFill>
+                <a:latin typeface="+mn-lt"/>
+                <a:ea typeface="+mn-ea"/>
+                <a:cs typeface="+mn-cs"/>
+              </a:defRPr>
+            </a:lvl5pPr>
+            <a:lvl6pPr marL="2286000" algn="l" defTabSz="914400" rtl="0" eaLnBrk="1" latinLnBrk="0" hangingPunct="1">
+              <a:defRPr sz="1800" kern="1200">
+                <a:solidFill>
+                  <a:schemeClr val="tx1"/>
+                </a:solidFill>
+                <a:latin typeface="+mn-lt"/>
+                <a:ea typeface="+mn-ea"/>
+                <a:cs typeface="+mn-cs"/>
+              </a:defRPr>
+            </a:lvl6pPr>
+            <a:lvl7pPr marL="2743200" algn="l" defTabSz="914400" rtl="0" eaLnBrk="1" latinLnBrk="0" hangingPunct="1">
+              <a:defRPr sz="1800" kern="1200">
+                <a:solidFill>
+                  <a:schemeClr val="tx1"/>
+                </a:solidFill>
+                <a:latin typeface="+mn-lt"/>
+                <a:ea typeface="+mn-ea"/>
+                <a:cs typeface="+mn-cs"/>
+              </a:defRPr>
+            </a:lvl7pPr>
+            <a:lvl8pPr marL="3200400" algn="l" defTabSz="914400" rtl="0" eaLnBrk="1" latinLnBrk="0" hangingPunct="1">
+              <a:defRPr sz="1800" kern="1200">
+                <a:solidFill>
+                  <a:schemeClr val="tx1"/>
+                </a:solidFill>
+                <a:latin typeface="+mn-lt"/>
+                <a:ea typeface="+mn-ea"/>
+                <a:cs typeface="+mn-cs"/>
+              </a:defRPr>
+            </a:lvl8pPr>
+            <a:lvl9pPr marL="3657600" algn="l" defTabSz="914400" rtl="0" eaLnBrk="1" latinLnBrk="0" hangingPunct="1">
+              <a:defRPr sz="1800" kern="1200">
+                <a:solidFill>
+                  <a:schemeClr val="tx1"/>
+                </a:solidFill>
+                <a:latin typeface="+mn-lt"/>
+                <a:ea typeface="+mn-ea"/>
+                <a:cs typeface="+mn-cs"/>
+              </a:defRPr>
+            </a:lvl9pPr>
+          </a:lstStyle>
+          <a:p>
+            <a:pPr algn="ctr"/>
+            <a:r>
+              <a:rPr lang="en-US" sz="800" b="1" dirty="0"/>
+              <a:t>Input</a:t>
+            </a:r>
+            <a:r>
+              <a:rPr lang="en-US" sz="800" dirty="0"/>
+              <a:t> </a:t>
+            </a:r>
+            <a:r>
+              <a:rPr lang="en-US" sz="800" b="1" dirty="0"/>
+              <a:t>bucket</a:t>
+            </a:r>
+            <a:r>
+              <a:rPr lang="en-US" sz="800" dirty="0"/>
+              <a:t> </a:t>
+            </a:r>
+          </a:p>
+          <a:p>
+            <a:pPr algn="ctr"/>
+            <a:r>
+              <a:rPr lang="en-US" sz="800" dirty="0"/>
+              <a:t>(The S3 bucket contains the drug name and report drug in a .txt file as input)</a:t>
+            </a:r>
+            <a:endParaRPr lang="en-IN" sz="800" dirty="0">
+              <a:ea typeface="Calibri" panose="020F0502020204030204" pitchFamily="34" charset="0"/>
+              <a:cs typeface="Calibri" panose="020F0502020204030204" pitchFamily="34" charset="0"/>
+            </a:endParaRPr>
+          </a:p>
+        </p:txBody>
+      </p:sp>
+      <p:sp>
+        <p:nvSpPr>
+          <p:cNvPr id="64" name="Rectangle 63">
+            <a:extLst>
+              <a:ext uri="{FF2B5EF4-FFF2-40B4-BE49-F238E27FC236}">
+                <a16:creationId xmlns:a16="http://schemas.microsoft.com/office/drawing/2014/main" id="{DCF7DB2F-3985-A609-FDBD-AC21A6E892F7}"/>
               </a:ext>
             </a:extLst>
           </p:cNvPr>
@@ -7445,8 +8049,8 @@
         </p:nvSpPr>
         <p:spPr>
           <a:xfrm>
-            <a:off x="1157973" y="1800046"/>
-            <a:ext cx="4809273" cy="3812061"/>
+            <a:off x="6956508" y="3399260"/>
+            <a:ext cx="4068353" cy="2735519"/>
           </a:xfrm>
           <a:prstGeom prst="rect">
             <a:avLst/>
@@ -7596,51 +8200,76 @@
             </a:lvl9pPr>
           </a:lstStyle>
           <a:p>
-            <a:endParaRPr lang="en-IN" sz="900" dirty="0"/>
+            <a:endParaRPr lang="en-IN" sz="800" dirty="0"/>
           </a:p>
         </p:txBody>
       </p:sp>
       <p:pic>
         <p:nvPicPr>
-          <p:cNvPr id="14" name="Graphic 3">
-            <a:extLst>
-              <a:ext uri="{FF2B5EF4-FFF2-40B4-BE49-F238E27FC236}">
-                <a16:creationId xmlns:a16="http://schemas.microsoft.com/office/drawing/2014/main" id="{FFE091F5-2CEC-FA91-91E6-5A6AEEE3A5D6}"/>
+          <p:cNvPr id="65" name="Graphic 63">
+            <a:extLst>
+              <a:ext uri="{FF2B5EF4-FFF2-40B4-BE49-F238E27FC236}">
+                <a16:creationId xmlns:a16="http://schemas.microsoft.com/office/drawing/2014/main" id="{4ED52F31-BB4B-2520-2CD3-4488E2EA1731}"/>
               </a:ext>
             </a:extLst>
           </p:cNvPr>
           <p:cNvPicPr>
-            <a:picLocks noChangeAspect="1"/>
+            <a:picLocks noChangeAspect="1" noChangeArrowheads="1"/>
           </p:cNvPicPr>
           <p:nvPr/>
         </p:nvPicPr>
         <p:blipFill>
-          <a:blip r:embed="rId4">
-            <a:extLst>
-              <a:ext uri="{96DAC541-7B7A-43D3-8B79-37D633B846F1}">
-                <asvg:svgBlip xmlns:asvg="http://schemas.microsoft.com/office/drawing/2016/SVG/main" r:embed="rId5"/>
+          <a:blip r:embed="rId8">
+            <a:extLst>
+              <a:ext uri="{28A0092B-C50C-407E-A947-70E740481C1C}">
+                <a14:useLocalDpi xmlns:a14="http://schemas.microsoft.com/office/drawing/2010/main" val="0"/>
               </a:ext>
             </a:extLst>
           </a:blip>
           <a:srcRect/>
-          <a:stretch/>
+          <a:stretch>
+            <a:fillRect/>
+          </a:stretch>
         </p:blipFill>
-        <p:spPr>
+        <p:spPr bwMode="auto">
           <a:xfrm>
-            <a:off x="10191110" y="2478703"/>
-            <a:ext cx="507807" cy="507807"/>
+            <a:off x="7221912" y="4364336"/>
+            <a:ext cx="727155" cy="756989"/>
           </a:xfrm>
           <a:prstGeom prst="rect">
             <a:avLst/>
           </a:prstGeom>
+          <a:noFill/>
+          <a:ln>
+            <a:noFill/>
+          </a:ln>
+          <a:extLst>
+            <a:ext uri="{909E8E84-426E-40DD-AFC4-6F175D3DCCD1}">
+              <a14:hiddenFill xmlns:a14="http://schemas.microsoft.com/office/drawing/2010/main">
+                <a:solidFill>
+                  <a:srgbClr val="FFFFFF"/>
+                </a:solidFill>
+              </a14:hiddenFill>
+            </a:ext>
+            <a:ext uri="{91240B29-F687-4F45-9708-019B960494DF}">
+              <a14:hiddenLine xmlns:a14="http://schemas.microsoft.com/office/drawing/2010/main" w="9525">
+                <a:solidFill>
+                  <a:srgbClr val="000000"/>
+                </a:solidFill>
+                <a:miter lim="800000"/>
+                <a:headEnd/>
+                <a:tailEnd/>
+              </a14:hiddenLine>
+            </a:ext>
+          </a:extLst>
         </p:spPr>
       </p:pic>
       <p:sp>
         <p:nvSpPr>
-          <p:cNvPr id="17" name="TextBox 122">
-            <a:extLst>
-              <a:ext uri="{FF2B5EF4-FFF2-40B4-BE49-F238E27FC236}">
-                <a16:creationId xmlns:a16="http://schemas.microsoft.com/office/drawing/2014/main" id="{F7432B41-3B1B-577C-ED39-62AC971621B9}"/>
+          <p:cNvPr id="66" name="TextBox 137">
+            <a:extLst>
+              <a:ext uri="{FF2B5EF4-FFF2-40B4-BE49-F238E27FC236}">
+                <a16:creationId xmlns:a16="http://schemas.microsoft.com/office/drawing/2014/main" id="{DFAA8DD7-466D-3C0B-272F-12796357DF03}"/>
               </a:ext>
             </a:extLst>
           </p:cNvPr>
@@ -7649,8 +8278,8 @@
         </p:nvSpPr>
         <p:spPr>
           <a:xfrm>
-            <a:off x="9932106" y="2992970"/>
-            <a:ext cx="978166" cy="643253"/>
+            <a:off x="6878351" y="5099729"/>
+            <a:ext cx="1493919" cy="461665"/>
           </a:xfrm>
           <a:prstGeom prst="rect">
             <a:avLst/>
@@ -7759,28 +8388,41 @@
           <a:p>
             <a:pPr algn="ctr"/>
             <a:r>
-              <a:rPr lang="en-IN" sz="900" b="1" dirty="0">
+              <a:rPr lang="en-IN" sz="800" b="1" dirty="0">
                 <a:ea typeface="Calibri" panose="020F0502020204030204" pitchFamily="34" charset="0"/>
                 <a:cs typeface="Calibri" panose="020F0502020204030204" pitchFamily="34" charset="0"/>
               </a:rPr>
-              <a:t>IAM role </a:t>
-            </a:r>
-            <a:r>
-              <a:rPr lang="en-IN" sz="900" dirty="0">
+              <a:t>Output bucket</a:t>
+            </a:r>
+          </a:p>
+          <a:p>
+            <a:pPr algn="ctr"/>
+            <a:r>
+              <a:rPr lang="en-IN" sz="800" dirty="0">
                 <a:ea typeface="Calibri" panose="020F0502020204030204" pitchFamily="34" charset="0"/>
                 <a:cs typeface="Calibri" panose="020F0502020204030204" pitchFamily="34" charset="0"/>
               </a:rPr>
-              <a:t>with S3 read write access and access to SNS</a:t>
+              <a:t>(Storing the filtered</a:t>
+            </a:r>
+          </a:p>
+          <a:p>
+            <a:pPr algn="ctr"/>
+            <a:r>
+              <a:rPr lang="en-IN" sz="800" dirty="0">
+                <a:ea typeface="Calibri" panose="020F0502020204030204" pitchFamily="34" charset="0"/>
+                <a:cs typeface="Calibri" panose="020F0502020204030204" pitchFamily="34" charset="0"/>
+              </a:rPr>
+              <a:t>data in S3)</a:t>
             </a:r>
           </a:p>
         </p:txBody>
       </p:sp>
       <p:pic>
         <p:nvPicPr>
-          <p:cNvPr id="18" name="Graphic 13">
-            <a:extLst>
-              <a:ext uri="{FF2B5EF4-FFF2-40B4-BE49-F238E27FC236}">
-                <a16:creationId xmlns:a16="http://schemas.microsoft.com/office/drawing/2014/main" id="{0EAD1A95-CDC2-179A-9616-79105103C5EB}"/>
+          <p:cNvPr id="67" name="Graphic 13">
+            <a:extLst>
+              <a:ext uri="{FF2B5EF4-FFF2-40B4-BE49-F238E27FC236}">
+                <a16:creationId xmlns:a16="http://schemas.microsoft.com/office/drawing/2014/main" id="{C9E7918B-0677-DA6E-7E09-902814A3D13A}"/>
               </a:ext>
             </a:extLst>
           </p:cNvPr>
@@ -7790,7 +8432,7 @@
           <p:nvPr/>
         </p:nvPicPr>
         <p:blipFill>
-          <a:blip r:embed="rId6">
+          <a:blip r:embed="rId9" cstate="print">
             <a:extLst>
               <a:ext uri="{28A0092B-C50C-407E-A947-70E740481C1C}">
                 <a14:useLocalDpi xmlns:a14="http://schemas.microsoft.com/office/drawing/2010/main" val="0"/>
@@ -7804,8 +8446,8 @@
         </p:blipFill>
         <p:spPr bwMode="auto">
           <a:xfrm>
-            <a:off x="2697589" y="3673660"/>
-            <a:ext cx="639913" cy="639913"/>
+            <a:off x="8516551" y="4357919"/>
+            <a:ext cx="753067" cy="769822"/>
           </a:xfrm>
           <a:prstGeom prst="rect">
             <a:avLst/>
@@ -7835,72 +8477,12 @@
           </a:extLst>
         </p:spPr>
       </p:pic>
-      <p:pic>
-        <p:nvPicPr>
-          <p:cNvPr id="19" name="Graphic 63">
-            <a:extLst>
-              <a:ext uri="{FF2B5EF4-FFF2-40B4-BE49-F238E27FC236}">
-                <a16:creationId xmlns:a16="http://schemas.microsoft.com/office/drawing/2014/main" id="{A87B6F2E-C0EF-F0AF-AEA9-2052CF7FD47F}"/>
-              </a:ext>
-            </a:extLst>
-          </p:cNvPr>
-          <p:cNvPicPr>
-            <a:picLocks noChangeAspect="1" noChangeArrowheads="1"/>
-          </p:cNvPicPr>
-          <p:nvPr/>
-        </p:nvPicPr>
-        <p:blipFill>
-          <a:blip r:embed="rId7">
-            <a:extLst>
-              <a:ext uri="{28A0092B-C50C-407E-A947-70E740481C1C}">
-                <a14:useLocalDpi xmlns:a14="http://schemas.microsoft.com/office/drawing/2010/main" val="0"/>
-              </a:ext>
-            </a:extLst>
-          </a:blip>
-          <a:srcRect/>
-          <a:stretch>
-            <a:fillRect/>
-          </a:stretch>
-        </p:blipFill>
-        <p:spPr bwMode="auto">
-          <a:xfrm>
-            <a:off x="4023181" y="2506439"/>
-            <a:ext cx="617141" cy="617141"/>
-          </a:xfrm>
-          <a:prstGeom prst="rect">
-            <a:avLst/>
-          </a:prstGeom>
-          <a:noFill/>
-          <a:ln>
-            <a:noFill/>
-          </a:ln>
-          <a:extLst>
-            <a:ext uri="{909E8E84-426E-40DD-AFC4-6F175D3DCCD1}">
-              <a14:hiddenFill xmlns:a14="http://schemas.microsoft.com/office/drawing/2010/main">
-                <a:solidFill>
-                  <a:srgbClr val="FFFFFF"/>
-                </a:solidFill>
-              </a14:hiddenFill>
-            </a:ext>
-            <a:ext uri="{91240B29-F687-4F45-9708-019B960494DF}">
-              <a14:hiddenLine xmlns:a14="http://schemas.microsoft.com/office/drawing/2010/main" w="9525">
-                <a:solidFill>
-                  <a:srgbClr val="000000"/>
-                </a:solidFill>
-                <a:miter lim="800000"/>
-                <a:headEnd/>
-                <a:tailEnd/>
-              </a14:hiddenLine>
-            </a:ext>
-          </a:extLst>
-        </p:spPr>
-      </p:pic>
       <p:sp>
         <p:nvSpPr>
-          <p:cNvPr id="20" name="TextBox 134">
-            <a:extLst>
-              <a:ext uri="{FF2B5EF4-FFF2-40B4-BE49-F238E27FC236}">
-                <a16:creationId xmlns:a16="http://schemas.microsoft.com/office/drawing/2014/main" id="{5A01AD37-EF2F-CD72-6874-F2AD8C3AD4C0}"/>
+          <p:cNvPr id="68" name="TextBox 140">
+            <a:extLst>
+              <a:ext uri="{FF2B5EF4-FFF2-40B4-BE49-F238E27FC236}">
+                <a16:creationId xmlns:a16="http://schemas.microsoft.com/office/drawing/2014/main" id="{FAD8F4EA-C6FF-85F1-82A7-B78B28082E3E}"/>
               </a:ext>
             </a:extLst>
           </p:cNvPr>
@@ -7909,8 +8491,8 @@
         </p:nvSpPr>
         <p:spPr>
           <a:xfrm>
-            <a:off x="4357010" y="2763941"/>
-            <a:ext cx="1192634" cy="923330"/>
+            <a:off x="8269827" y="5073665"/>
+            <a:ext cx="1334017" cy="584775"/>
           </a:xfrm>
           <a:prstGeom prst="rect">
             <a:avLst/>
@@ -8019,41 +8601,66 @@
           <a:p>
             <a:pPr algn="ctr"/>
             <a:r>
-              <a:rPr lang="en-US" sz="900" b="1" dirty="0"/>
-              <a:t>Input</a:t>
-            </a:r>
-            <a:r>
-              <a:rPr lang="en-US" sz="900" dirty="0"/>
-              <a:t> </a:t>
-            </a:r>
-            <a:r>
-              <a:rPr lang="en-US" sz="900" b="1" dirty="0"/>
-              <a:t>bucket</a:t>
-            </a:r>
-            <a:r>
-              <a:rPr lang="en-US" sz="900" dirty="0"/>
-              <a:t> </a:t>
+              <a:rPr lang="en-IN" sz="800" b="1" dirty="0">
+                <a:ea typeface="Calibri" panose="020F0502020204030204" pitchFamily="34" charset="0"/>
+                <a:cs typeface="Calibri" panose="020F0502020204030204" pitchFamily="34" charset="0"/>
+              </a:rPr>
+              <a:t>Lambda 3</a:t>
             </a:r>
           </a:p>
           <a:p>
             <a:pPr algn="ctr"/>
             <a:r>
-              <a:rPr lang="en-US" sz="900" dirty="0"/>
-              <a:t>(The S3 bucket contains the drug name and report drug in a .txt file as input)</a:t>
-            </a:r>
-            <a:endParaRPr lang="en-IN" sz="900" dirty="0">
-              <a:ea typeface="Calibri" panose="020F0502020204030204" pitchFamily="34" charset="0"/>
-              <a:cs typeface="Calibri" panose="020F0502020204030204" pitchFamily="34" charset="0"/>
-            </a:endParaRPr>
+              <a:rPr lang="en-IN" sz="800" dirty="0">
+                <a:ea typeface="Calibri" panose="020F0502020204030204" pitchFamily="34" charset="0"/>
+                <a:cs typeface="Calibri" panose="020F0502020204030204" pitchFamily="34" charset="0"/>
+              </a:rPr>
+              <a:t>(Lambda function to trigger an Email notification alert to Send mail to Client)</a:t>
+            </a:r>
           </a:p>
         </p:txBody>
       </p:sp>
       <p:pic>
         <p:nvPicPr>
-          <p:cNvPr id="21" name="Graphic 63">
-            <a:extLst>
-              <a:ext uri="{FF2B5EF4-FFF2-40B4-BE49-F238E27FC236}">
-                <a16:creationId xmlns:a16="http://schemas.microsoft.com/office/drawing/2014/main" id="{1C62DEDE-4311-AB32-12C4-C0362CB26BF0}"/>
+          <p:cNvPr id="69" name="Graphic 3">
+            <a:extLst>
+              <a:ext uri="{FF2B5EF4-FFF2-40B4-BE49-F238E27FC236}">
+                <a16:creationId xmlns:a16="http://schemas.microsoft.com/office/drawing/2014/main" id="{C57AE8B2-0B33-A691-1E10-F99F2F1D5D89}"/>
+              </a:ext>
+            </a:extLst>
+          </p:cNvPr>
+          <p:cNvPicPr>
+            <a:picLocks noChangeAspect="1"/>
+          </p:cNvPicPr>
+          <p:nvPr/>
+        </p:nvPicPr>
+        <p:blipFill>
+          <a:blip r:embed="rId5">
+            <a:extLst>
+              <a:ext uri="{96DAC541-7B7A-43D3-8B79-37D633B846F1}">
+                <asvg:svgBlip xmlns:asvg="http://schemas.microsoft.com/office/drawing/2016/SVG/main" r:embed="rId6"/>
+              </a:ext>
+            </a:extLst>
+          </a:blip>
+          <a:srcRect/>
+          <a:stretch/>
+        </p:blipFill>
+        <p:spPr>
+          <a:xfrm>
+            <a:off x="10317109" y="3480011"/>
+            <a:ext cx="552925" cy="552925"/>
+          </a:xfrm>
+          <a:prstGeom prst="rect">
+            <a:avLst/>
+          </a:prstGeom>
+        </p:spPr>
+      </p:pic>
+      <p:pic>
+        <p:nvPicPr>
+          <p:cNvPr id="70" name="Graphic 18">
+            <a:extLst>
+              <a:ext uri="{FF2B5EF4-FFF2-40B4-BE49-F238E27FC236}">
+                <a16:creationId xmlns:a16="http://schemas.microsoft.com/office/drawing/2014/main" id="{2F8EB15D-DB98-0D4C-7BE1-5F607F6A44F6}"/>
               </a:ext>
             </a:extLst>
           </p:cNvPr>
@@ -8063,22 +8670,14 @@
           <p:nvPr/>
         </p:nvPicPr>
         <p:blipFill>
-          <a:blip r:embed="rId7">
-            <a:extLst>
-              <a:ext uri="{28A0092B-C50C-407E-A947-70E740481C1C}">
-                <a14:useLocalDpi xmlns:a14="http://schemas.microsoft.com/office/drawing/2010/main" val="0"/>
-              </a:ext>
-            </a:extLst>
-          </a:blip>
+          <a:blip r:embed="rId10" cstate="print"/>
           <a:srcRect/>
-          <a:stretch>
-            <a:fillRect/>
-          </a:stretch>
+          <a:stretch/>
         </p:blipFill>
         <p:spPr bwMode="auto">
           <a:xfrm>
-            <a:off x="6586787" y="4760563"/>
-            <a:ext cx="667820" cy="695220"/>
+            <a:off x="9971574" y="4413510"/>
+            <a:ext cx="661670" cy="661670"/>
           </a:xfrm>
           <a:prstGeom prst="rect">
             <a:avLst/>
@@ -8108,434 +8707,22 @@
           </a:extLst>
         </p:spPr>
       </p:pic>
-      <p:sp>
-        <p:nvSpPr>
-          <p:cNvPr id="22" name="TextBox 137">
-            <a:extLst>
-              <a:ext uri="{FF2B5EF4-FFF2-40B4-BE49-F238E27FC236}">
-                <a16:creationId xmlns:a16="http://schemas.microsoft.com/office/drawing/2014/main" id="{513F554A-B222-E1A5-8DCD-C6CE7E609E41}"/>
-              </a:ext>
-            </a:extLst>
-          </p:cNvPr>
-          <p:cNvSpPr txBox="1"/>
-          <p:nvPr/>
-        </p:nvSpPr>
-        <p:spPr>
-          <a:xfrm>
-            <a:off x="6271413" y="5390025"/>
-            <a:ext cx="1372017" cy="507832"/>
-          </a:xfrm>
-          <a:prstGeom prst="rect">
-            <a:avLst/>
-          </a:prstGeom>
-          <a:noFill/>
-        </p:spPr>
-        <p:txBody>
-          <a:bodyPr wrap="square" rtlCol="0">
-            <a:spAutoFit/>
-          </a:bodyPr>
-          <a:lstStyle>
-            <a:defPPr>
-              <a:defRPr lang="en-US"/>
-            </a:defPPr>
-            <a:lvl1pPr marL="0" algn="l" defTabSz="914400" rtl="0" eaLnBrk="1" latinLnBrk="0" hangingPunct="1">
-              <a:defRPr sz="1800" kern="1200">
-                <a:solidFill>
-                  <a:schemeClr val="tx1"/>
-                </a:solidFill>
-                <a:latin typeface="+mn-lt"/>
-                <a:ea typeface="+mn-ea"/>
-                <a:cs typeface="+mn-cs"/>
-              </a:defRPr>
-            </a:lvl1pPr>
-            <a:lvl2pPr marL="457200" algn="l" defTabSz="914400" rtl="0" eaLnBrk="1" latinLnBrk="0" hangingPunct="1">
-              <a:defRPr sz="1800" kern="1200">
-                <a:solidFill>
-                  <a:schemeClr val="tx1"/>
-                </a:solidFill>
-                <a:latin typeface="+mn-lt"/>
-                <a:ea typeface="+mn-ea"/>
-                <a:cs typeface="+mn-cs"/>
-              </a:defRPr>
-            </a:lvl2pPr>
-            <a:lvl3pPr marL="914400" algn="l" defTabSz="914400" rtl="0" eaLnBrk="1" latinLnBrk="0" hangingPunct="1">
-              <a:defRPr sz="1800" kern="1200">
-                <a:solidFill>
-                  <a:schemeClr val="tx1"/>
-                </a:solidFill>
-                <a:latin typeface="+mn-lt"/>
-                <a:ea typeface="+mn-ea"/>
-                <a:cs typeface="+mn-cs"/>
-              </a:defRPr>
-            </a:lvl3pPr>
-            <a:lvl4pPr marL="1371600" algn="l" defTabSz="914400" rtl="0" eaLnBrk="1" latinLnBrk="0" hangingPunct="1">
-              <a:defRPr sz="1800" kern="1200">
-                <a:solidFill>
-                  <a:schemeClr val="tx1"/>
-                </a:solidFill>
-                <a:latin typeface="+mn-lt"/>
-                <a:ea typeface="+mn-ea"/>
-                <a:cs typeface="+mn-cs"/>
-              </a:defRPr>
-            </a:lvl4pPr>
-            <a:lvl5pPr marL="1828800" algn="l" defTabSz="914400" rtl="0" eaLnBrk="1" latinLnBrk="0" hangingPunct="1">
-              <a:defRPr sz="1800" kern="1200">
-                <a:solidFill>
-                  <a:schemeClr val="tx1"/>
-                </a:solidFill>
-                <a:latin typeface="+mn-lt"/>
-                <a:ea typeface="+mn-ea"/>
-                <a:cs typeface="+mn-cs"/>
-              </a:defRPr>
-            </a:lvl5pPr>
-            <a:lvl6pPr marL="2286000" algn="l" defTabSz="914400" rtl="0" eaLnBrk="1" latinLnBrk="0" hangingPunct="1">
-              <a:defRPr sz="1800" kern="1200">
-                <a:solidFill>
-                  <a:schemeClr val="tx1"/>
-                </a:solidFill>
-                <a:latin typeface="+mn-lt"/>
-                <a:ea typeface="+mn-ea"/>
-                <a:cs typeface="+mn-cs"/>
-              </a:defRPr>
-            </a:lvl6pPr>
-            <a:lvl7pPr marL="2743200" algn="l" defTabSz="914400" rtl="0" eaLnBrk="1" latinLnBrk="0" hangingPunct="1">
-              <a:defRPr sz="1800" kern="1200">
-                <a:solidFill>
-                  <a:schemeClr val="tx1"/>
-                </a:solidFill>
-                <a:latin typeface="+mn-lt"/>
-                <a:ea typeface="+mn-ea"/>
-                <a:cs typeface="+mn-cs"/>
-              </a:defRPr>
-            </a:lvl7pPr>
-            <a:lvl8pPr marL="3200400" algn="l" defTabSz="914400" rtl="0" eaLnBrk="1" latinLnBrk="0" hangingPunct="1">
-              <a:defRPr sz="1800" kern="1200">
-                <a:solidFill>
-                  <a:schemeClr val="tx1"/>
-                </a:solidFill>
-                <a:latin typeface="+mn-lt"/>
-                <a:ea typeface="+mn-ea"/>
-                <a:cs typeface="+mn-cs"/>
-              </a:defRPr>
-            </a:lvl8pPr>
-            <a:lvl9pPr marL="3657600" algn="l" defTabSz="914400" rtl="0" eaLnBrk="1" latinLnBrk="0" hangingPunct="1">
-              <a:defRPr sz="1800" kern="1200">
-                <a:solidFill>
-                  <a:schemeClr val="tx1"/>
-                </a:solidFill>
-                <a:latin typeface="+mn-lt"/>
-                <a:ea typeface="+mn-ea"/>
-                <a:cs typeface="+mn-cs"/>
-              </a:defRPr>
-            </a:lvl9pPr>
-          </a:lstStyle>
-          <a:p>
-            <a:pPr algn="ctr"/>
-            <a:r>
-              <a:rPr lang="en-IN" sz="900" b="1" dirty="0">
-                <a:ea typeface="Calibri" panose="020F0502020204030204" pitchFamily="34" charset="0"/>
-                <a:cs typeface="Calibri" panose="020F0502020204030204" pitchFamily="34" charset="0"/>
-              </a:rPr>
-              <a:t>Output bucket</a:t>
-            </a:r>
-          </a:p>
-          <a:p>
-            <a:pPr algn="ctr"/>
-            <a:r>
-              <a:rPr lang="en-IN" sz="900" dirty="0">
-                <a:ea typeface="Calibri" panose="020F0502020204030204" pitchFamily="34" charset="0"/>
-                <a:cs typeface="Calibri" panose="020F0502020204030204" pitchFamily="34" charset="0"/>
-              </a:rPr>
-              <a:t>(Storing the filtered</a:t>
-            </a:r>
-          </a:p>
-          <a:p>
-            <a:pPr algn="ctr"/>
-            <a:r>
-              <a:rPr lang="en-IN" sz="900" dirty="0">
-                <a:ea typeface="Calibri" panose="020F0502020204030204" pitchFamily="34" charset="0"/>
-                <a:cs typeface="Calibri" panose="020F0502020204030204" pitchFamily="34" charset="0"/>
-              </a:rPr>
-              <a:t>data in S3)</a:t>
-            </a:r>
-          </a:p>
-        </p:txBody>
-      </p:sp>
-      <p:pic>
-        <p:nvPicPr>
-          <p:cNvPr id="23" name="Graphic 13">
-            <a:extLst>
-              <a:ext uri="{FF2B5EF4-FFF2-40B4-BE49-F238E27FC236}">
-                <a16:creationId xmlns:a16="http://schemas.microsoft.com/office/drawing/2014/main" id="{35DA9B2A-2917-2314-FC83-64AD82B4F697}"/>
-              </a:ext>
-            </a:extLst>
-          </p:cNvPr>
-          <p:cNvPicPr>
-            <a:picLocks noChangeAspect="1" noChangeArrowheads="1"/>
-          </p:cNvPicPr>
-          <p:nvPr/>
-        </p:nvPicPr>
-        <p:blipFill>
-          <a:blip r:embed="rId8" cstate="print">
-            <a:extLst>
-              <a:ext uri="{28A0092B-C50C-407E-A947-70E740481C1C}">
-                <a14:useLocalDpi xmlns:a14="http://schemas.microsoft.com/office/drawing/2010/main" val="0"/>
-              </a:ext>
-            </a:extLst>
-          </a:blip>
-          <a:srcRect/>
-          <a:stretch>
-            <a:fillRect/>
-          </a:stretch>
-        </p:blipFill>
-        <p:spPr bwMode="auto">
-          <a:xfrm>
-            <a:off x="8164022" y="4755730"/>
-            <a:ext cx="691618" cy="707005"/>
-          </a:xfrm>
-          <a:prstGeom prst="rect">
-            <a:avLst/>
-          </a:prstGeom>
-          <a:noFill/>
-          <a:ln>
-            <a:noFill/>
-          </a:ln>
-          <a:extLst>
-            <a:ext uri="{909E8E84-426E-40DD-AFC4-6F175D3DCCD1}">
-              <a14:hiddenFill xmlns:a14="http://schemas.microsoft.com/office/drawing/2010/main">
-                <a:solidFill>
-                  <a:srgbClr val="FFFFFF"/>
-                </a:solidFill>
-              </a14:hiddenFill>
-            </a:ext>
-            <a:ext uri="{91240B29-F687-4F45-9708-019B960494DF}">
-              <a14:hiddenLine xmlns:a14="http://schemas.microsoft.com/office/drawing/2010/main" w="9525">
-                <a:solidFill>
-                  <a:srgbClr val="000000"/>
-                </a:solidFill>
-                <a:miter lim="800000"/>
-                <a:headEnd/>
-                <a:tailEnd/>
-              </a14:hiddenLine>
-            </a:ext>
-          </a:extLst>
-        </p:spPr>
-      </p:pic>
-      <p:sp>
-        <p:nvSpPr>
-          <p:cNvPr id="24" name="TextBox 140">
-            <a:extLst>
-              <a:ext uri="{FF2B5EF4-FFF2-40B4-BE49-F238E27FC236}">
-                <a16:creationId xmlns:a16="http://schemas.microsoft.com/office/drawing/2014/main" id="{3488EABC-C20D-0656-630A-6685F646450E}"/>
-              </a:ext>
-            </a:extLst>
-          </p:cNvPr>
-          <p:cNvSpPr txBox="1"/>
-          <p:nvPr/>
-        </p:nvSpPr>
-        <p:spPr>
-          <a:xfrm>
-            <a:off x="7912756" y="5341046"/>
-            <a:ext cx="1225162" cy="778675"/>
-          </a:xfrm>
-          <a:prstGeom prst="rect">
-            <a:avLst/>
-          </a:prstGeom>
-          <a:noFill/>
-        </p:spPr>
-        <p:txBody>
-          <a:bodyPr wrap="square" rtlCol="0">
-            <a:spAutoFit/>
-          </a:bodyPr>
-          <a:lstStyle>
-            <a:defPPr>
-              <a:defRPr lang="en-US"/>
-            </a:defPPr>
-            <a:lvl1pPr marL="0" algn="l" defTabSz="914400" rtl="0" eaLnBrk="1" latinLnBrk="0" hangingPunct="1">
-              <a:defRPr sz="1800" kern="1200">
-                <a:solidFill>
-                  <a:schemeClr val="tx1"/>
-                </a:solidFill>
-                <a:latin typeface="+mn-lt"/>
-                <a:ea typeface="+mn-ea"/>
-                <a:cs typeface="+mn-cs"/>
-              </a:defRPr>
-            </a:lvl1pPr>
-            <a:lvl2pPr marL="457200" algn="l" defTabSz="914400" rtl="0" eaLnBrk="1" latinLnBrk="0" hangingPunct="1">
-              <a:defRPr sz="1800" kern="1200">
-                <a:solidFill>
-                  <a:schemeClr val="tx1"/>
-                </a:solidFill>
-                <a:latin typeface="+mn-lt"/>
-                <a:ea typeface="+mn-ea"/>
-                <a:cs typeface="+mn-cs"/>
-              </a:defRPr>
-            </a:lvl2pPr>
-            <a:lvl3pPr marL="914400" algn="l" defTabSz="914400" rtl="0" eaLnBrk="1" latinLnBrk="0" hangingPunct="1">
-              <a:defRPr sz="1800" kern="1200">
-                <a:solidFill>
-                  <a:schemeClr val="tx1"/>
-                </a:solidFill>
-                <a:latin typeface="+mn-lt"/>
-                <a:ea typeface="+mn-ea"/>
-                <a:cs typeface="+mn-cs"/>
-              </a:defRPr>
-            </a:lvl3pPr>
-            <a:lvl4pPr marL="1371600" algn="l" defTabSz="914400" rtl="0" eaLnBrk="1" latinLnBrk="0" hangingPunct="1">
-              <a:defRPr sz="1800" kern="1200">
-                <a:solidFill>
-                  <a:schemeClr val="tx1"/>
-                </a:solidFill>
-                <a:latin typeface="+mn-lt"/>
-                <a:ea typeface="+mn-ea"/>
-                <a:cs typeface="+mn-cs"/>
-              </a:defRPr>
-            </a:lvl4pPr>
-            <a:lvl5pPr marL="1828800" algn="l" defTabSz="914400" rtl="0" eaLnBrk="1" latinLnBrk="0" hangingPunct="1">
-              <a:defRPr sz="1800" kern="1200">
-                <a:solidFill>
-                  <a:schemeClr val="tx1"/>
-                </a:solidFill>
-                <a:latin typeface="+mn-lt"/>
-                <a:ea typeface="+mn-ea"/>
-                <a:cs typeface="+mn-cs"/>
-              </a:defRPr>
-            </a:lvl5pPr>
-            <a:lvl6pPr marL="2286000" algn="l" defTabSz="914400" rtl="0" eaLnBrk="1" latinLnBrk="0" hangingPunct="1">
-              <a:defRPr sz="1800" kern="1200">
-                <a:solidFill>
-                  <a:schemeClr val="tx1"/>
-                </a:solidFill>
-                <a:latin typeface="+mn-lt"/>
-                <a:ea typeface="+mn-ea"/>
-                <a:cs typeface="+mn-cs"/>
-              </a:defRPr>
-            </a:lvl6pPr>
-            <a:lvl7pPr marL="2743200" algn="l" defTabSz="914400" rtl="0" eaLnBrk="1" latinLnBrk="0" hangingPunct="1">
-              <a:defRPr sz="1800" kern="1200">
-                <a:solidFill>
-                  <a:schemeClr val="tx1"/>
-                </a:solidFill>
-                <a:latin typeface="+mn-lt"/>
-                <a:ea typeface="+mn-ea"/>
-                <a:cs typeface="+mn-cs"/>
-              </a:defRPr>
-            </a:lvl7pPr>
-            <a:lvl8pPr marL="3200400" algn="l" defTabSz="914400" rtl="0" eaLnBrk="1" latinLnBrk="0" hangingPunct="1">
-              <a:defRPr sz="1800" kern="1200">
-                <a:solidFill>
-                  <a:schemeClr val="tx1"/>
-                </a:solidFill>
-                <a:latin typeface="+mn-lt"/>
-                <a:ea typeface="+mn-ea"/>
-                <a:cs typeface="+mn-cs"/>
-              </a:defRPr>
-            </a:lvl8pPr>
-            <a:lvl9pPr marL="3657600" algn="l" defTabSz="914400" rtl="0" eaLnBrk="1" latinLnBrk="0" hangingPunct="1">
-              <a:defRPr sz="1800" kern="1200">
-                <a:solidFill>
-                  <a:schemeClr val="tx1"/>
-                </a:solidFill>
-                <a:latin typeface="+mn-lt"/>
-                <a:ea typeface="+mn-ea"/>
-                <a:cs typeface="+mn-cs"/>
-              </a:defRPr>
-            </a:lvl9pPr>
-          </a:lstStyle>
-          <a:p>
-            <a:pPr algn="ctr"/>
-            <a:r>
-              <a:rPr lang="en-IN" sz="900" b="1" dirty="0">
-                <a:ea typeface="Calibri" panose="020F0502020204030204" pitchFamily="34" charset="0"/>
-                <a:cs typeface="Calibri" panose="020F0502020204030204" pitchFamily="34" charset="0"/>
-              </a:rPr>
-              <a:t>Lambda 3</a:t>
-            </a:r>
-          </a:p>
-          <a:p>
-            <a:pPr algn="ctr"/>
-            <a:r>
-              <a:rPr lang="en-IN" sz="900" dirty="0">
-                <a:ea typeface="Calibri" panose="020F0502020204030204" pitchFamily="34" charset="0"/>
-                <a:cs typeface="Calibri" panose="020F0502020204030204" pitchFamily="34" charset="0"/>
-              </a:rPr>
-              <a:t>(Lambda function to trigger an Email notification alert to Send mail to Client)</a:t>
-            </a:r>
-          </a:p>
-        </p:txBody>
-      </p:sp>
-      <p:pic>
-        <p:nvPicPr>
-          <p:cNvPr id="25" name="Graphic 18">
-            <a:extLst>
-              <a:ext uri="{FF2B5EF4-FFF2-40B4-BE49-F238E27FC236}">
-                <a16:creationId xmlns:a16="http://schemas.microsoft.com/office/drawing/2014/main" id="{FC8F1781-55BA-4DE6-E24F-CA2E4D38321C}"/>
-              </a:ext>
-            </a:extLst>
-          </p:cNvPr>
-          <p:cNvPicPr>
-            <a:picLocks noChangeAspect="1" noChangeArrowheads="1"/>
-          </p:cNvPicPr>
-          <p:nvPr/>
-        </p:nvPicPr>
-        <p:blipFill>
-          <a:blip r:embed="rId9" cstate="print"/>
-          <a:srcRect/>
-          <a:stretch/>
-        </p:blipFill>
-        <p:spPr bwMode="auto">
-          <a:xfrm>
-            <a:off x="9657016" y="4815381"/>
-            <a:ext cx="607679" cy="607679"/>
-          </a:xfrm>
-          <a:prstGeom prst="rect">
-            <a:avLst/>
-          </a:prstGeom>
-          <a:noFill/>
-          <a:ln>
-            <a:noFill/>
-          </a:ln>
-          <a:extLst>
-            <a:ext uri="{909E8E84-426E-40DD-AFC4-6F175D3DCCD1}">
-              <a14:hiddenFill xmlns:a14="http://schemas.microsoft.com/office/drawing/2010/main">
-                <a:solidFill>
-                  <a:srgbClr val="FFFFFF"/>
-                </a:solidFill>
-              </a14:hiddenFill>
-            </a:ext>
-            <a:ext uri="{91240B29-F687-4F45-9708-019B960494DF}">
-              <a14:hiddenLine xmlns:a14="http://schemas.microsoft.com/office/drawing/2010/main" w="9525">
-                <a:solidFill>
-                  <a:srgbClr val="000000"/>
-                </a:solidFill>
-                <a:miter lim="800000"/>
-                <a:headEnd/>
-                <a:tailEnd/>
-              </a14:hiddenLine>
-            </a:ext>
-          </a:extLst>
-        </p:spPr>
-      </p:pic>
       <p:cxnSp>
         <p:nvCxnSpPr>
-          <p:cNvPr id="26" name="Straight Arrow Connector 25">
-            <a:extLst>
-              <a:ext uri="{FF2B5EF4-FFF2-40B4-BE49-F238E27FC236}">
-                <a16:creationId xmlns:a16="http://schemas.microsoft.com/office/drawing/2014/main" id="{24F5BFCC-152B-5BBB-FBD2-BD059B64BAF2}"/>
-              </a:ext>
-            </a:extLst>
-          </p:cNvPr>
-          <p:cNvCxnSpPr>
-            <a:cxnSpLocks/>
-            <a:stCxn id="23" idx="3"/>
-            <a:endCxn id="25" idx="1"/>
-          </p:cNvCxnSpPr>
+          <p:cNvPr id="71" name="Straight Arrow Connector 70">
+            <a:extLst>
+              <a:ext uri="{FF2B5EF4-FFF2-40B4-BE49-F238E27FC236}">
+                <a16:creationId xmlns:a16="http://schemas.microsoft.com/office/drawing/2014/main" id="{98D98584-DC0F-A210-0ACB-F3182FC84AF8}"/>
+              </a:ext>
+            </a:extLst>
+          </p:cNvPr>
+          <p:cNvCxnSpPr/>
           <p:nvPr/>
         </p:nvCxnSpPr>
         <p:spPr>
           <a:xfrm>
-            <a:off x="8855640" y="5109233"/>
-            <a:ext cx="801376" cy="9988"/>
+            <a:off x="9269618" y="4742830"/>
+            <a:ext cx="701956" cy="1515"/>
           </a:xfrm>
           <a:prstGeom prst="straightConnector1">
             <a:avLst/>
@@ -8561,10 +8748,10 @@
       </p:cxnSp>
       <p:sp>
         <p:nvSpPr>
-          <p:cNvPr id="27" name="TextBox 144">
-            <a:extLst>
-              <a:ext uri="{FF2B5EF4-FFF2-40B4-BE49-F238E27FC236}">
-                <a16:creationId xmlns:a16="http://schemas.microsoft.com/office/drawing/2014/main" id="{A848CE83-17D9-E2C6-BC96-8D3D652CBE73}"/>
+          <p:cNvPr id="72" name="TextBox 144">
+            <a:extLst>
+              <a:ext uri="{FF2B5EF4-FFF2-40B4-BE49-F238E27FC236}">
+                <a16:creationId xmlns:a16="http://schemas.microsoft.com/office/drawing/2014/main" id="{E3F2402E-AF36-4B64-46A0-7C1EE76061CA}"/>
               </a:ext>
             </a:extLst>
           </p:cNvPr>
@@ -8573,8 +8760,8 @@
         </p:nvSpPr>
         <p:spPr>
           <a:xfrm>
-            <a:off x="9394097" y="5395515"/>
-            <a:ext cx="1193897" cy="507832"/>
+            <a:off x="9671485" y="5076475"/>
+            <a:ext cx="1299973" cy="338554"/>
           </a:xfrm>
           <a:prstGeom prst="rect">
             <a:avLst/>
@@ -8683,7 +8870,7 @@
           <a:p>
             <a:pPr algn="ctr"/>
             <a:r>
-              <a:rPr lang="en-IN" sz="900" b="1" dirty="0">
+              <a:rPr lang="en-IN" sz="800" b="1" dirty="0">
                 <a:ea typeface="Calibri" panose="020F0502020204030204" pitchFamily="34" charset="0"/>
                 <a:cs typeface="Calibri" panose="020F0502020204030204" pitchFamily="34" charset="0"/>
               </a:rPr>
@@ -8693,7 +8880,7 @@
           <a:p>
             <a:pPr algn="ctr"/>
             <a:r>
-              <a:rPr lang="en-IN" sz="900" dirty="0">
+              <a:rPr lang="en-IN" sz="800" dirty="0">
                 <a:ea typeface="Calibri" panose="020F0502020204030204" pitchFamily="34" charset="0"/>
                 <a:cs typeface="Calibri" panose="020F0502020204030204" pitchFamily="34" charset="0"/>
               </a:rPr>
@@ -8704,62 +8891,10 @@
       </p:sp>
       <p:pic>
         <p:nvPicPr>
-          <p:cNvPr id="28" name="Graphic 6">
-            <a:extLst>
-              <a:ext uri="{FF2B5EF4-FFF2-40B4-BE49-F238E27FC236}">
-                <a16:creationId xmlns:a16="http://schemas.microsoft.com/office/drawing/2014/main" id="{354D6670-E050-5B3C-D497-CB568BBDB0BD}"/>
-              </a:ext>
-            </a:extLst>
-          </p:cNvPr>
-          <p:cNvPicPr>
-            <a:picLocks noChangeAspect="1" noChangeArrowheads="1"/>
-          </p:cNvPicPr>
-          <p:nvPr/>
-        </p:nvPicPr>
-        <p:blipFill>
-          <a:blip r:embed="rId10" cstate="print"/>
-          <a:srcRect/>
-          <a:stretch/>
-        </p:blipFill>
-        <p:spPr bwMode="auto">
-          <a:xfrm>
-            <a:off x="11552964" y="2529596"/>
-            <a:ext cx="557836" cy="557836"/>
-          </a:xfrm>
-          <a:prstGeom prst="rect">
-            <a:avLst/>
-          </a:prstGeom>
-          <a:noFill/>
-          <a:ln>
-            <a:noFill/>
-          </a:ln>
-          <a:extLst>
-            <a:ext uri="{909E8E84-426E-40DD-AFC4-6F175D3DCCD1}">
-              <a14:hiddenFill xmlns:a14="http://schemas.microsoft.com/office/drawing/2010/main">
-                <a:solidFill>
-                  <a:srgbClr val="FFFFFF"/>
-                </a:solidFill>
-              </a14:hiddenFill>
-            </a:ext>
-            <a:ext uri="{91240B29-F687-4F45-9708-019B960494DF}">
-              <a14:hiddenLine xmlns:a14="http://schemas.microsoft.com/office/drawing/2010/main" w="9525">
-                <a:solidFill>
-                  <a:srgbClr val="000000"/>
-                </a:solidFill>
-                <a:miter lim="800000"/>
-                <a:headEnd/>
-                <a:tailEnd/>
-              </a14:hiddenLine>
-            </a:ext>
-          </a:extLst>
-        </p:spPr>
-      </p:pic>
-      <p:pic>
-        <p:nvPicPr>
-          <p:cNvPr id="29" name="Graphic 19">
-            <a:extLst>
-              <a:ext uri="{FF2B5EF4-FFF2-40B4-BE49-F238E27FC236}">
-                <a16:creationId xmlns:a16="http://schemas.microsoft.com/office/drawing/2014/main" id="{93FFACA0-2C4A-E874-BB44-4DFE3436549E}"/>
+          <p:cNvPr id="74" name="Graphic 6">
+            <a:extLst>
+              <a:ext uri="{FF2B5EF4-FFF2-40B4-BE49-F238E27FC236}">
+                <a16:creationId xmlns:a16="http://schemas.microsoft.com/office/drawing/2014/main" id="{31CEE4AC-6D1A-0DFC-E0C7-89017AB7141A}"/>
               </a:ext>
             </a:extLst>
           </p:cNvPr>
@@ -8775,8 +8910,8 @@
         </p:blipFill>
         <p:spPr bwMode="auto">
           <a:xfrm>
-            <a:off x="1395153" y="3087432"/>
-            <a:ext cx="461643" cy="461643"/>
+            <a:off x="11413695" y="3257875"/>
+            <a:ext cx="607399" cy="607399"/>
           </a:xfrm>
           <a:prstGeom prst="rect">
             <a:avLst/>
@@ -8806,72 +8941,12 @@
           </a:extLst>
         </p:spPr>
       </p:pic>
-      <p:pic>
-        <p:nvPicPr>
-          <p:cNvPr id="30" name="Graphic 19">
-            <a:extLst>
-              <a:ext uri="{FF2B5EF4-FFF2-40B4-BE49-F238E27FC236}">
-                <a16:creationId xmlns:a16="http://schemas.microsoft.com/office/drawing/2014/main" id="{C4035A5C-83AE-2669-EFB4-A8C68EBB814F}"/>
-              </a:ext>
-            </a:extLst>
-          </p:cNvPr>
-          <p:cNvPicPr>
-            <a:picLocks noChangeAspect="1" noChangeArrowheads="1"/>
-          </p:cNvPicPr>
-          <p:nvPr/>
-        </p:nvPicPr>
-        <p:blipFill>
-          <a:blip r:embed="rId12" cstate="print">
-            <a:extLst>
-              <a:ext uri="{28A0092B-C50C-407E-A947-70E740481C1C}">
-                <a14:useLocalDpi xmlns:a14="http://schemas.microsoft.com/office/drawing/2010/main" val="0"/>
-              </a:ext>
-            </a:extLst>
-          </a:blip>
-          <a:srcRect/>
-          <a:stretch>
-            <a:fillRect/>
-          </a:stretch>
-        </p:blipFill>
-        <p:spPr bwMode="auto">
-          <a:xfrm>
-            <a:off x="10712124" y="1422876"/>
-            <a:ext cx="505958" cy="484460"/>
-          </a:xfrm>
-          <a:prstGeom prst="rect">
-            <a:avLst/>
-          </a:prstGeom>
-          <a:noFill/>
-          <a:ln>
-            <a:noFill/>
-          </a:ln>
-          <a:extLst>
-            <a:ext uri="{909E8E84-426E-40DD-AFC4-6F175D3DCCD1}">
-              <a14:hiddenFill xmlns:a14="http://schemas.microsoft.com/office/drawing/2010/main">
-                <a:solidFill>
-                  <a:srgbClr val="FFFFFF"/>
-                </a:solidFill>
-              </a14:hiddenFill>
-            </a:ext>
-            <a:ext uri="{91240B29-F687-4F45-9708-019B960494DF}">
-              <a14:hiddenLine xmlns:a14="http://schemas.microsoft.com/office/drawing/2010/main" w="9525">
-                <a:solidFill>
-                  <a:srgbClr val="000000"/>
-                </a:solidFill>
-                <a:miter lim="800000"/>
-                <a:headEnd/>
-                <a:tailEnd/>
-              </a14:hiddenLine>
-            </a:ext>
-          </a:extLst>
-        </p:spPr>
-      </p:pic>
       <p:sp>
         <p:nvSpPr>
-          <p:cNvPr id="31" name="TextBox 161">
-            <a:extLst>
-              <a:ext uri="{FF2B5EF4-FFF2-40B4-BE49-F238E27FC236}">
-                <a16:creationId xmlns:a16="http://schemas.microsoft.com/office/drawing/2014/main" id="{4DAF1DAB-4970-D706-390B-9C8C7A5B41FA}"/>
+          <p:cNvPr id="75" name="TextBox 148">
+            <a:extLst>
+              <a:ext uri="{FF2B5EF4-FFF2-40B4-BE49-F238E27FC236}">
+                <a16:creationId xmlns:a16="http://schemas.microsoft.com/office/drawing/2014/main" id="{BC3D4080-0F6C-D260-2A47-8606B6638DB2}"/>
               </a:ext>
             </a:extLst>
           </p:cNvPr>
@@ -8880,8 +8955,8 @@
         </p:nvSpPr>
         <p:spPr>
           <a:xfrm>
-            <a:off x="1102488" y="3512551"/>
-            <a:ext cx="1027513" cy="643253"/>
+            <a:off x="9927437" y="4000315"/>
+            <a:ext cx="1155800" cy="338554"/>
           </a:xfrm>
           <a:prstGeom prst="rect">
             <a:avLst/>
@@ -8990,14 +9065,398 @@
           <a:p>
             <a:pPr algn="ctr"/>
             <a:r>
-              <a:rPr lang="en-IN" sz="900" b="1" dirty="0"/>
+              <a:rPr lang="en-IN" sz="800" b="1" dirty="0">
+                <a:ea typeface="Calibri" panose="020F0502020204030204" pitchFamily="34" charset="0"/>
+                <a:cs typeface="Calibri" panose="020F0502020204030204" pitchFamily="34" charset="0"/>
+              </a:rPr>
+              <a:t>IAM role </a:t>
+            </a:r>
+            <a:r>
+              <a:rPr lang="en-IN" sz="800" dirty="0">
+                <a:ea typeface="Calibri" panose="020F0502020204030204" pitchFamily="34" charset="0"/>
+                <a:cs typeface="Calibri" panose="020F0502020204030204" pitchFamily="34" charset="0"/>
+              </a:rPr>
+              <a:t>to access S3 and SES</a:t>
+            </a:r>
+          </a:p>
+        </p:txBody>
+      </p:sp>
+      <p:sp>
+        <p:nvSpPr>
+          <p:cNvPr id="76" name="TextBox 151">
+            <a:extLst>
+              <a:ext uri="{FF2B5EF4-FFF2-40B4-BE49-F238E27FC236}">
+                <a16:creationId xmlns:a16="http://schemas.microsoft.com/office/drawing/2014/main" id="{6E5FF956-F31B-3575-7B03-D492B0C8EF9E}"/>
+              </a:ext>
+            </a:extLst>
+          </p:cNvPr>
+          <p:cNvSpPr txBox="1"/>
+          <p:nvPr/>
+        </p:nvSpPr>
+        <p:spPr>
+          <a:xfrm>
+            <a:off x="8427503" y="3418303"/>
+            <a:ext cx="1684229" cy="215444"/>
+          </a:xfrm>
+          <a:prstGeom prst="rect">
+            <a:avLst/>
+          </a:prstGeom>
+          <a:noFill/>
+        </p:spPr>
+        <p:txBody>
+          <a:bodyPr wrap="square" rtlCol="0">
+            <a:spAutoFit/>
+          </a:bodyPr>
+          <a:lstStyle>
+            <a:defPPr>
+              <a:defRPr lang="en-US"/>
+            </a:defPPr>
+            <a:lvl1pPr marL="0" algn="l" defTabSz="914400" rtl="0" eaLnBrk="1" latinLnBrk="0" hangingPunct="1">
+              <a:defRPr sz="1800" kern="1200">
+                <a:solidFill>
+                  <a:schemeClr val="tx1"/>
+                </a:solidFill>
+                <a:latin typeface="+mn-lt"/>
+                <a:ea typeface="+mn-ea"/>
+                <a:cs typeface="+mn-cs"/>
+              </a:defRPr>
+            </a:lvl1pPr>
+            <a:lvl2pPr marL="457200" algn="l" defTabSz="914400" rtl="0" eaLnBrk="1" latinLnBrk="0" hangingPunct="1">
+              <a:defRPr sz="1800" kern="1200">
+                <a:solidFill>
+                  <a:schemeClr val="tx1"/>
+                </a:solidFill>
+                <a:latin typeface="+mn-lt"/>
+                <a:ea typeface="+mn-ea"/>
+                <a:cs typeface="+mn-cs"/>
+              </a:defRPr>
+            </a:lvl2pPr>
+            <a:lvl3pPr marL="914400" algn="l" defTabSz="914400" rtl="0" eaLnBrk="1" latinLnBrk="0" hangingPunct="1">
+              <a:defRPr sz="1800" kern="1200">
+                <a:solidFill>
+                  <a:schemeClr val="tx1"/>
+                </a:solidFill>
+                <a:latin typeface="+mn-lt"/>
+                <a:ea typeface="+mn-ea"/>
+                <a:cs typeface="+mn-cs"/>
+              </a:defRPr>
+            </a:lvl3pPr>
+            <a:lvl4pPr marL="1371600" algn="l" defTabSz="914400" rtl="0" eaLnBrk="1" latinLnBrk="0" hangingPunct="1">
+              <a:defRPr sz="1800" kern="1200">
+                <a:solidFill>
+                  <a:schemeClr val="tx1"/>
+                </a:solidFill>
+                <a:latin typeface="+mn-lt"/>
+                <a:ea typeface="+mn-ea"/>
+                <a:cs typeface="+mn-cs"/>
+              </a:defRPr>
+            </a:lvl4pPr>
+            <a:lvl5pPr marL="1828800" algn="l" defTabSz="914400" rtl="0" eaLnBrk="1" latinLnBrk="0" hangingPunct="1">
+              <a:defRPr sz="1800" kern="1200">
+                <a:solidFill>
+                  <a:schemeClr val="tx1"/>
+                </a:solidFill>
+                <a:latin typeface="+mn-lt"/>
+                <a:ea typeface="+mn-ea"/>
+                <a:cs typeface="+mn-cs"/>
+              </a:defRPr>
+            </a:lvl5pPr>
+            <a:lvl6pPr marL="2286000" algn="l" defTabSz="914400" rtl="0" eaLnBrk="1" latinLnBrk="0" hangingPunct="1">
+              <a:defRPr sz="1800" kern="1200">
+                <a:solidFill>
+                  <a:schemeClr val="tx1"/>
+                </a:solidFill>
+                <a:latin typeface="+mn-lt"/>
+                <a:ea typeface="+mn-ea"/>
+                <a:cs typeface="+mn-cs"/>
+              </a:defRPr>
+            </a:lvl6pPr>
+            <a:lvl7pPr marL="2743200" algn="l" defTabSz="914400" rtl="0" eaLnBrk="1" latinLnBrk="0" hangingPunct="1">
+              <a:defRPr sz="1800" kern="1200">
+                <a:solidFill>
+                  <a:schemeClr val="tx1"/>
+                </a:solidFill>
+                <a:latin typeface="+mn-lt"/>
+                <a:ea typeface="+mn-ea"/>
+                <a:cs typeface="+mn-cs"/>
+              </a:defRPr>
+            </a:lvl7pPr>
+            <a:lvl8pPr marL="3200400" algn="l" defTabSz="914400" rtl="0" eaLnBrk="1" latinLnBrk="0" hangingPunct="1">
+              <a:defRPr sz="1800" kern="1200">
+                <a:solidFill>
+                  <a:schemeClr val="tx1"/>
+                </a:solidFill>
+                <a:latin typeface="+mn-lt"/>
+                <a:ea typeface="+mn-ea"/>
+                <a:cs typeface="+mn-cs"/>
+              </a:defRPr>
+            </a:lvl8pPr>
+            <a:lvl9pPr marL="3657600" algn="l" defTabSz="914400" rtl="0" eaLnBrk="1" latinLnBrk="0" hangingPunct="1">
+              <a:defRPr sz="1800" kern="1200">
+                <a:solidFill>
+                  <a:schemeClr val="tx1"/>
+                </a:solidFill>
+                <a:latin typeface="+mn-lt"/>
+                <a:ea typeface="+mn-ea"/>
+                <a:cs typeface="+mn-cs"/>
+              </a:defRPr>
+            </a:lvl9pPr>
+          </a:lstStyle>
+          <a:p>
+            <a:r>
+              <a:rPr lang="en-IN" sz="800" b="1" dirty="0">
+                <a:ea typeface="Calibri" panose="020F0502020204030204" pitchFamily="34" charset="0"/>
+                <a:cs typeface="Calibri" panose="020F0502020204030204" pitchFamily="34" charset="0"/>
+              </a:rPr>
+              <a:t>MAIL SERVICE</a:t>
+            </a:r>
+          </a:p>
+        </p:txBody>
+      </p:sp>
+      <p:pic>
+        <p:nvPicPr>
+          <p:cNvPr id="77" name="Graphic 19">
+            <a:extLst>
+              <a:ext uri="{FF2B5EF4-FFF2-40B4-BE49-F238E27FC236}">
+                <a16:creationId xmlns:a16="http://schemas.microsoft.com/office/drawing/2014/main" id="{487982FB-91C7-F861-DA5C-0E82605E1C68}"/>
+              </a:ext>
+            </a:extLst>
+          </p:cNvPr>
+          <p:cNvPicPr>
+            <a:picLocks noChangeAspect="1" noChangeArrowheads="1"/>
+          </p:cNvPicPr>
+          <p:nvPr/>
+        </p:nvPicPr>
+        <p:blipFill>
+          <a:blip r:embed="rId12" cstate="print"/>
+          <a:srcRect/>
+          <a:stretch/>
+        </p:blipFill>
+        <p:spPr bwMode="auto">
+          <a:xfrm>
+            <a:off x="2045323" y="3236268"/>
+            <a:ext cx="552925" cy="552925"/>
+          </a:xfrm>
+          <a:prstGeom prst="rect">
+            <a:avLst/>
+          </a:prstGeom>
+          <a:noFill/>
+          <a:ln>
+            <a:noFill/>
+          </a:ln>
+          <a:extLst>
+            <a:ext uri="{909E8E84-426E-40DD-AFC4-6F175D3DCCD1}">
+              <a14:hiddenFill xmlns:a14="http://schemas.microsoft.com/office/drawing/2010/main">
+                <a:solidFill>
+                  <a:srgbClr val="FFFFFF"/>
+                </a:solidFill>
+              </a14:hiddenFill>
+            </a:ext>
+            <a:ext uri="{91240B29-F687-4F45-9708-019B960494DF}">
+              <a14:hiddenLine xmlns:a14="http://schemas.microsoft.com/office/drawing/2010/main" w="9525">
+                <a:solidFill>
+                  <a:srgbClr val="000000"/>
+                </a:solidFill>
+                <a:miter lim="800000"/>
+                <a:headEnd/>
+                <a:tailEnd/>
+              </a14:hiddenLine>
+            </a:ext>
+          </a:extLst>
+        </p:spPr>
+      </p:pic>
+      <p:pic>
+        <p:nvPicPr>
+          <p:cNvPr id="78" name="Graphic 19">
+            <a:extLst>
+              <a:ext uri="{FF2B5EF4-FFF2-40B4-BE49-F238E27FC236}">
+                <a16:creationId xmlns:a16="http://schemas.microsoft.com/office/drawing/2014/main" id="{94F255E5-F6C7-2E34-EEBD-CD48F3027C66}"/>
+              </a:ext>
+            </a:extLst>
+          </p:cNvPr>
+          <p:cNvPicPr>
+            <a:picLocks noChangeAspect="1" noChangeArrowheads="1"/>
+          </p:cNvPicPr>
+          <p:nvPr/>
+        </p:nvPicPr>
+        <p:blipFill>
+          <a:blip r:embed="rId13" cstate="print">
+            <a:extLst>
+              <a:ext uri="{28A0092B-C50C-407E-A947-70E740481C1C}">
+                <a14:useLocalDpi xmlns:a14="http://schemas.microsoft.com/office/drawing/2010/main" val="0"/>
+              </a:ext>
+            </a:extLst>
+          </a:blip>
+          <a:srcRect/>
+          <a:stretch>
+            <a:fillRect/>
+          </a:stretch>
+        </p:blipFill>
+        <p:spPr bwMode="auto">
+          <a:xfrm>
+            <a:off x="10495589" y="1334212"/>
+            <a:ext cx="550912" cy="550912"/>
+          </a:xfrm>
+          <a:prstGeom prst="rect">
+            <a:avLst/>
+          </a:prstGeom>
+          <a:noFill/>
+          <a:ln>
+            <a:noFill/>
+          </a:ln>
+          <a:extLst>
+            <a:ext uri="{909E8E84-426E-40DD-AFC4-6F175D3DCCD1}">
+              <a14:hiddenFill xmlns:a14="http://schemas.microsoft.com/office/drawing/2010/main">
+                <a:solidFill>
+                  <a:srgbClr val="FFFFFF"/>
+                </a:solidFill>
+              </a14:hiddenFill>
+            </a:ext>
+            <a:ext uri="{91240B29-F687-4F45-9708-019B960494DF}">
+              <a14:hiddenLine xmlns:a14="http://schemas.microsoft.com/office/drawing/2010/main" w="9525">
+                <a:solidFill>
+                  <a:srgbClr val="000000"/>
+                </a:solidFill>
+                <a:miter lim="800000"/>
+                <a:headEnd/>
+                <a:tailEnd/>
+              </a14:hiddenLine>
+            </a:ext>
+          </a:extLst>
+        </p:spPr>
+      </p:pic>
+      <p:sp>
+        <p:nvSpPr>
+          <p:cNvPr id="79" name="TextBox 161">
+            <a:extLst>
+              <a:ext uri="{FF2B5EF4-FFF2-40B4-BE49-F238E27FC236}">
+                <a16:creationId xmlns:a16="http://schemas.microsoft.com/office/drawing/2014/main" id="{DF23B01B-FD16-D2FB-42A3-27D6B41A1A93}"/>
+              </a:ext>
+            </a:extLst>
+          </p:cNvPr>
+          <p:cNvSpPr txBox="1"/>
+          <p:nvPr/>
+        </p:nvSpPr>
+        <p:spPr>
+          <a:xfrm>
+            <a:off x="1824918" y="3752391"/>
+            <a:ext cx="1047163" cy="461665"/>
+          </a:xfrm>
+          <a:prstGeom prst="rect">
+            <a:avLst/>
+          </a:prstGeom>
+          <a:noFill/>
+        </p:spPr>
+        <p:txBody>
+          <a:bodyPr wrap="square" rtlCol="0">
+            <a:spAutoFit/>
+          </a:bodyPr>
+          <a:lstStyle>
+            <a:defPPr>
+              <a:defRPr lang="en-US"/>
+            </a:defPPr>
+            <a:lvl1pPr marL="0" algn="l" defTabSz="914400" rtl="0" eaLnBrk="1" latinLnBrk="0" hangingPunct="1">
+              <a:defRPr sz="1800" kern="1200">
+                <a:solidFill>
+                  <a:schemeClr val="tx1"/>
+                </a:solidFill>
+                <a:latin typeface="+mn-lt"/>
+                <a:ea typeface="+mn-ea"/>
+                <a:cs typeface="+mn-cs"/>
+              </a:defRPr>
+            </a:lvl1pPr>
+            <a:lvl2pPr marL="457200" algn="l" defTabSz="914400" rtl="0" eaLnBrk="1" latinLnBrk="0" hangingPunct="1">
+              <a:defRPr sz="1800" kern="1200">
+                <a:solidFill>
+                  <a:schemeClr val="tx1"/>
+                </a:solidFill>
+                <a:latin typeface="+mn-lt"/>
+                <a:ea typeface="+mn-ea"/>
+                <a:cs typeface="+mn-cs"/>
+              </a:defRPr>
+            </a:lvl2pPr>
+            <a:lvl3pPr marL="914400" algn="l" defTabSz="914400" rtl="0" eaLnBrk="1" latinLnBrk="0" hangingPunct="1">
+              <a:defRPr sz="1800" kern="1200">
+                <a:solidFill>
+                  <a:schemeClr val="tx1"/>
+                </a:solidFill>
+                <a:latin typeface="+mn-lt"/>
+                <a:ea typeface="+mn-ea"/>
+                <a:cs typeface="+mn-cs"/>
+              </a:defRPr>
+            </a:lvl3pPr>
+            <a:lvl4pPr marL="1371600" algn="l" defTabSz="914400" rtl="0" eaLnBrk="1" latinLnBrk="0" hangingPunct="1">
+              <a:defRPr sz="1800" kern="1200">
+                <a:solidFill>
+                  <a:schemeClr val="tx1"/>
+                </a:solidFill>
+                <a:latin typeface="+mn-lt"/>
+                <a:ea typeface="+mn-ea"/>
+                <a:cs typeface="+mn-cs"/>
+              </a:defRPr>
+            </a:lvl4pPr>
+            <a:lvl5pPr marL="1828800" algn="l" defTabSz="914400" rtl="0" eaLnBrk="1" latinLnBrk="0" hangingPunct="1">
+              <a:defRPr sz="1800" kern="1200">
+                <a:solidFill>
+                  <a:schemeClr val="tx1"/>
+                </a:solidFill>
+                <a:latin typeface="+mn-lt"/>
+                <a:ea typeface="+mn-ea"/>
+                <a:cs typeface="+mn-cs"/>
+              </a:defRPr>
+            </a:lvl5pPr>
+            <a:lvl6pPr marL="2286000" algn="l" defTabSz="914400" rtl="0" eaLnBrk="1" latinLnBrk="0" hangingPunct="1">
+              <a:defRPr sz="1800" kern="1200">
+                <a:solidFill>
+                  <a:schemeClr val="tx1"/>
+                </a:solidFill>
+                <a:latin typeface="+mn-lt"/>
+                <a:ea typeface="+mn-ea"/>
+                <a:cs typeface="+mn-cs"/>
+              </a:defRPr>
+            </a:lvl6pPr>
+            <a:lvl7pPr marL="2743200" algn="l" defTabSz="914400" rtl="0" eaLnBrk="1" latinLnBrk="0" hangingPunct="1">
+              <a:defRPr sz="1800" kern="1200">
+                <a:solidFill>
+                  <a:schemeClr val="tx1"/>
+                </a:solidFill>
+                <a:latin typeface="+mn-lt"/>
+                <a:ea typeface="+mn-ea"/>
+                <a:cs typeface="+mn-cs"/>
+              </a:defRPr>
+            </a:lvl7pPr>
+            <a:lvl8pPr marL="3200400" algn="l" defTabSz="914400" rtl="0" eaLnBrk="1" latinLnBrk="0" hangingPunct="1">
+              <a:defRPr sz="1800" kern="1200">
+                <a:solidFill>
+                  <a:schemeClr val="tx1"/>
+                </a:solidFill>
+                <a:latin typeface="+mn-lt"/>
+                <a:ea typeface="+mn-ea"/>
+                <a:cs typeface="+mn-cs"/>
+              </a:defRPr>
+            </a:lvl8pPr>
+            <a:lvl9pPr marL="3657600" algn="l" defTabSz="914400" rtl="0" eaLnBrk="1" latinLnBrk="0" hangingPunct="1">
+              <a:defRPr sz="1800" kern="1200">
+                <a:solidFill>
+                  <a:schemeClr val="tx1"/>
+                </a:solidFill>
+                <a:latin typeface="+mn-lt"/>
+                <a:ea typeface="+mn-ea"/>
+                <a:cs typeface="+mn-cs"/>
+              </a:defRPr>
+            </a:lvl9pPr>
+          </a:lstStyle>
+          <a:p>
+            <a:pPr algn="ctr"/>
+            <a:r>
+              <a:rPr lang="en-IN" sz="800" b="1" dirty="0"/>
               <a:t>Event bridge</a:t>
             </a:r>
           </a:p>
           <a:p>
             <a:pPr algn="ctr"/>
             <a:r>
-              <a:rPr lang="en-IN" sz="900" dirty="0"/>
+              <a:rPr lang="en-IN" sz="800" dirty="0"/>
               <a:t>(To trigger the scheduled lambda ) </a:t>
             </a:r>
           </a:p>
@@ -9005,28 +9464,29 @@
       </p:sp>
       <p:cxnSp>
         <p:nvCxnSpPr>
-          <p:cNvPr id="32" name="Connector: Elbow 195">
-            <a:extLst>
-              <a:ext uri="{FF2B5EF4-FFF2-40B4-BE49-F238E27FC236}">
-                <a16:creationId xmlns:a16="http://schemas.microsoft.com/office/drawing/2014/main" id="{392BDF1B-1FA2-A67E-021D-BD5A642736FC}"/>
+          <p:cNvPr id="80" name="Connector: Elbow 195">
+            <a:extLst>
+              <a:ext uri="{FF2B5EF4-FFF2-40B4-BE49-F238E27FC236}">
+                <a16:creationId xmlns:a16="http://schemas.microsoft.com/office/drawing/2014/main" id="{66FFD304-38C7-0A8B-14BA-1015C9E4A043}"/>
               </a:ext>
             </a:extLst>
           </p:cNvPr>
           <p:cNvCxnSpPr>
             <a:cxnSpLocks/>
-            <a:stCxn id="18" idx="2"/>
-            <a:endCxn id="84" idx="0"/>
+            <a:stCxn id="61" idx="2"/>
+            <a:endCxn id="65" idx="1"/>
           </p:cNvCxnSpPr>
           <p:nvPr/>
         </p:nvCxnSpPr>
         <p:spPr>
-          <a:xfrm rot="16200000" flipH="1">
-            <a:off x="2784629" y="4546490"/>
-            <a:ext cx="467203" cy="1368"/>
+          <a:xfrm rot="5400000" flipH="1" flipV="1">
+            <a:off x="5253354" y="2794683"/>
+            <a:ext cx="20410" cy="3916705"/>
           </a:xfrm>
-          <a:prstGeom prst="bentConnector3">
+          <a:prstGeom prst="bentConnector4">
             <a:avLst>
-              <a:gd name="adj1" fmla="val 50000"/>
+              <a:gd name="adj1" fmla="val -3640137"/>
+              <a:gd name="adj2" fmla="val 87723"/>
             </a:avLst>
           </a:prstGeom>
           <a:ln>
@@ -9050,24 +9510,23 @@
       </p:cxnSp>
       <p:cxnSp>
         <p:nvCxnSpPr>
-          <p:cNvPr id="33" name="Connector: Elbow 201">
-            <a:extLst>
-              <a:ext uri="{FF2B5EF4-FFF2-40B4-BE49-F238E27FC236}">
-                <a16:creationId xmlns:a16="http://schemas.microsoft.com/office/drawing/2014/main" id="{F6ED5FB1-A4C6-AC5A-75B6-27D04789063A}"/>
+          <p:cNvPr id="81" name="Connector: Elbow 201">
+            <a:extLst>
+              <a:ext uri="{FF2B5EF4-FFF2-40B4-BE49-F238E27FC236}">
+                <a16:creationId xmlns:a16="http://schemas.microsoft.com/office/drawing/2014/main" id="{E421B8B2-396B-7643-27D9-B8965F66B943}"/>
               </a:ext>
             </a:extLst>
           </p:cNvPr>
           <p:cNvCxnSpPr>
             <a:cxnSpLocks/>
-            <a:stCxn id="29" idx="3"/>
-            <a:endCxn id="18" idx="0"/>
+            <a:endCxn id="61" idx="0"/>
           </p:cNvCxnSpPr>
           <p:nvPr/>
         </p:nvCxnSpPr>
         <p:spPr>
           <a:xfrm>
-            <a:off x="1856796" y="3318254"/>
-            <a:ext cx="1160750" cy="355406"/>
+            <a:off x="2598248" y="3633747"/>
+            <a:ext cx="706959" cy="363049"/>
           </a:xfrm>
           <a:prstGeom prst="bentConnector2">
             <a:avLst/>
@@ -9093,10 +9552,10 @@
       </p:cxnSp>
       <p:sp>
         <p:nvSpPr>
-          <p:cNvPr id="34" name="TextBox 208">
-            <a:extLst>
-              <a:ext uri="{FF2B5EF4-FFF2-40B4-BE49-F238E27FC236}">
-                <a16:creationId xmlns:a16="http://schemas.microsoft.com/office/drawing/2014/main" id="{DE3343E1-FDB4-417C-7258-10B191ABE49A}"/>
+          <p:cNvPr id="82" name="TextBox 208">
+            <a:extLst>
+              <a:ext uri="{FF2B5EF4-FFF2-40B4-BE49-F238E27FC236}">
+                <a16:creationId xmlns:a16="http://schemas.microsoft.com/office/drawing/2014/main" id="{5BB77E8F-20D1-DB82-4A64-075A9A007CD8}"/>
               </a:ext>
             </a:extLst>
           </p:cNvPr>
@@ -9105,8 +9564,8 @@
         </p:nvSpPr>
         <p:spPr>
           <a:xfrm>
-            <a:off x="2921717" y="1795854"/>
-            <a:ext cx="1544857" cy="236988"/>
+            <a:off x="3668264" y="1853165"/>
+            <a:ext cx="1682115" cy="215444"/>
           </a:xfrm>
           <a:prstGeom prst="rect">
             <a:avLst/>
@@ -9214,7 +9673,7 @@
           </a:lstStyle>
           <a:p>
             <a:r>
-              <a:rPr lang="en-IN" sz="900" b="1" dirty="0"/>
+              <a:rPr lang="en-IN" sz="800" b="1" dirty="0"/>
               <a:t>FETCHING &amp; FILTERING</a:t>
             </a:r>
           </a:p>
@@ -9222,24 +9681,64 @@
       </p:sp>
       <p:cxnSp>
         <p:nvCxnSpPr>
-          <p:cNvPr id="35" name="Straight Arrow Connector 34">
-            <a:extLst>
-              <a:ext uri="{FF2B5EF4-FFF2-40B4-BE49-F238E27FC236}">
-                <a16:creationId xmlns:a16="http://schemas.microsoft.com/office/drawing/2014/main" id="{701BAD55-9919-ABED-FE11-53BBA83C3CC0}"/>
+          <p:cNvPr id="83" name="Straight Arrow Connector 82">
+            <a:extLst>
+              <a:ext uri="{FF2B5EF4-FFF2-40B4-BE49-F238E27FC236}">
+                <a16:creationId xmlns:a16="http://schemas.microsoft.com/office/drawing/2014/main" id="{3A7A3D1E-5EBA-38D4-2038-D601193198FE}"/>
               </a:ext>
             </a:extLst>
           </p:cNvPr>
           <p:cNvCxnSpPr>
             <a:cxnSpLocks/>
-            <a:stCxn id="21" idx="3"/>
-            <a:endCxn id="23" idx="1"/>
+            <a:stCxn id="56" idx="3"/>
+            <a:endCxn id="61" idx="1"/>
           </p:cNvCxnSpPr>
           <p:nvPr/>
         </p:nvCxnSpPr>
         <p:spPr>
-          <a:xfrm>
-            <a:off x="7254607" y="5108173"/>
-            <a:ext cx="909415" cy="1060"/>
+          <a:xfrm flipV="1">
+            <a:off x="1069314" y="4380019"/>
+            <a:ext cx="1852670" cy="4916"/>
+          </a:xfrm>
+          <a:prstGeom prst="straightConnector1">
+            <a:avLst/>
+          </a:prstGeom>
+          <a:ln>
+            <a:headEnd type="triangle"/>
+            <a:tailEnd type="triangle"/>
+          </a:ln>
+        </p:spPr>
+        <p:style>
+          <a:lnRef idx="1">
+            <a:schemeClr val="accent1"/>
+          </a:lnRef>
+          <a:fillRef idx="0">
+            <a:schemeClr val="accent1"/>
+          </a:fillRef>
+          <a:effectRef idx="0">
+            <a:schemeClr val="accent1"/>
+          </a:effectRef>
+          <a:fontRef idx="minor">
+            <a:schemeClr val="tx1"/>
+          </a:fontRef>
+        </p:style>
+      </p:cxnSp>
+      <p:cxnSp>
+        <p:nvCxnSpPr>
+          <p:cNvPr id="85" name="Straight Arrow Connector 84">
+            <a:extLst>
+              <a:ext uri="{FF2B5EF4-FFF2-40B4-BE49-F238E27FC236}">
+                <a16:creationId xmlns:a16="http://schemas.microsoft.com/office/drawing/2014/main" id="{95DBB034-F9B2-BCB7-5188-DB506DED9C2E}"/>
+              </a:ext>
+            </a:extLst>
+          </p:cNvPr>
+          <p:cNvCxnSpPr/>
+          <p:nvPr/>
+        </p:nvCxnSpPr>
+        <p:spPr>
+          <a:xfrm flipV="1">
+            <a:off x="7949067" y="4742830"/>
+            <a:ext cx="567484" cy="1"/>
           </a:xfrm>
           <a:prstGeom prst="straightConnector1">
             <a:avLst/>
@@ -9266,10 +9765,10 @@
       </p:cxnSp>
       <p:pic>
         <p:nvPicPr>
-          <p:cNvPr id="36" name="Graphic 17">
-            <a:extLst>
-              <a:ext uri="{FF2B5EF4-FFF2-40B4-BE49-F238E27FC236}">
-                <a16:creationId xmlns:a16="http://schemas.microsoft.com/office/drawing/2014/main" id="{DE157E69-926E-3567-43B5-F982D155F6A6}"/>
+          <p:cNvPr id="86" name="Graphic 17">
+            <a:extLst>
+              <a:ext uri="{FF2B5EF4-FFF2-40B4-BE49-F238E27FC236}">
+                <a16:creationId xmlns:a16="http://schemas.microsoft.com/office/drawing/2014/main" id="{443A8EDD-16C2-6848-83A6-4582C7B74B70}"/>
               </a:ext>
             </a:extLst>
           </p:cNvPr>
@@ -9279,7 +9778,7 @@
           <p:nvPr/>
         </p:nvPicPr>
         <p:blipFill>
-          <a:blip r:embed="rId13" cstate="print">
+          <a:blip r:embed="rId14" cstate="print">
             <a:extLst>
               <a:ext uri="{28A0092B-C50C-407E-A947-70E740481C1C}">
                 <a14:useLocalDpi xmlns:a14="http://schemas.microsoft.com/office/drawing/2010/main" val="0"/>
@@ -9293,8 +9792,8 @@
         </p:blipFill>
         <p:spPr bwMode="auto">
           <a:xfrm>
-            <a:off x="9901999" y="1422876"/>
-            <a:ext cx="505958" cy="484460"/>
+            <a:off x="9665292" y="1334212"/>
+            <a:ext cx="550912" cy="550912"/>
           </a:xfrm>
           <a:prstGeom prst="rect">
             <a:avLst/>
@@ -9326,10 +9825,10 @@
       </p:pic>
       <p:pic>
         <p:nvPicPr>
-          <p:cNvPr id="37" name="Graphic 23">
-            <a:extLst>
-              <a:ext uri="{FF2B5EF4-FFF2-40B4-BE49-F238E27FC236}">
-                <a16:creationId xmlns:a16="http://schemas.microsoft.com/office/drawing/2014/main" id="{EDBC0C88-3EDD-E98E-C040-BE3EAD7FE38C}"/>
+          <p:cNvPr id="87" name="Graphic 23">
+            <a:extLst>
+              <a:ext uri="{FF2B5EF4-FFF2-40B4-BE49-F238E27FC236}">
+                <a16:creationId xmlns:a16="http://schemas.microsoft.com/office/drawing/2014/main" id="{C80A5198-9D63-E04B-8307-869015F45203}"/>
               </a:ext>
             </a:extLst>
           </p:cNvPr>
@@ -9339,7 +9838,7 @@
           <p:nvPr/>
         </p:nvPicPr>
         <p:blipFill>
-          <a:blip r:embed="rId14" cstate="print">
+          <a:blip r:embed="rId15" cstate="print">
             <a:extLst>
               <a:ext uri="{28A0092B-C50C-407E-A947-70E740481C1C}">
                 <a14:useLocalDpi xmlns:a14="http://schemas.microsoft.com/office/drawing/2010/main" val="0"/>
@@ -9353,8 +9852,8 @@
         </p:blipFill>
         <p:spPr bwMode="auto">
           <a:xfrm>
-            <a:off x="9053606" y="1381593"/>
-            <a:ext cx="517815" cy="495813"/>
+            <a:off x="8841766" y="1327757"/>
+            <a:ext cx="563822" cy="563822"/>
           </a:xfrm>
           <a:prstGeom prst="rect">
             <a:avLst/>
@@ -9386,10 +9885,10 @@
       </p:pic>
       <p:sp>
         <p:nvSpPr>
-          <p:cNvPr id="38" name="TextBox 10">
-            <a:extLst>
-              <a:ext uri="{FF2B5EF4-FFF2-40B4-BE49-F238E27FC236}">
-                <a16:creationId xmlns:a16="http://schemas.microsoft.com/office/drawing/2014/main" id="{04460840-4F11-4C04-8E73-37C9431CB714}"/>
+          <p:cNvPr id="88" name="TextBox 10">
+            <a:extLst>
+              <a:ext uri="{FF2B5EF4-FFF2-40B4-BE49-F238E27FC236}">
+                <a16:creationId xmlns:a16="http://schemas.microsoft.com/office/drawing/2014/main" id="{F97BC264-6CB3-A26C-9BAE-ADF4763BEA33}"/>
               </a:ext>
             </a:extLst>
           </p:cNvPr>
@@ -9398,8 +9897,8 @@
         </p:nvSpPr>
         <p:spPr>
           <a:xfrm>
-            <a:off x="10642616" y="1923252"/>
-            <a:ext cx="578776" cy="236988"/>
+            <a:off x="10470593" y="1876101"/>
+            <a:ext cx="630200" cy="215444"/>
           </a:xfrm>
           <a:prstGeom prst="rect">
             <a:avLst/>
@@ -9508,7 +10007,7 @@
           <a:p>
             <a:pPr algn="ctr"/>
             <a:r>
-              <a:rPr lang="en-IN" sz="900" dirty="0"/>
+              <a:rPr lang="en-IN" sz="800" dirty="0"/>
               <a:t>IAM</a:t>
             </a:r>
           </a:p>
@@ -9516,10 +10015,10 @@
       </p:sp>
       <p:sp>
         <p:nvSpPr>
-          <p:cNvPr id="39" name="TextBox 13">
-            <a:extLst>
-              <a:ext uri="{FF2B5EF4-FFF2-40B4-BE49-F238E27FC236}">
-                <a16:creationId xmlns:a16="http://schemas.microsoft.com/office/drawing/2014/main" id="{6EA5F345-F629-AD47-38C3-20B469E9CD79}"/>
+          <p:cNvPr id="89" name="TextBox 13">
+            <a:extLst>
+              <a:ext uri="{FF2B5EF4-FFF2-40B4-BE49-F238E27FC236}">
+                <a16:creationId xmlns:a16="http://schemas.microsoft.com/office/drawing/2014/main" id="{89279348-CE1B-D51C-3489-85374577738B}"/>
               </a:ext>
             </a:extLst>
           </p:cNvPr>
@@ -9528,8 +10027,8 @@
         </p:nvSpPr>
         <p:spPr>
           <a:xfrm>
-            <a:off x="9669707" y="1920574"/>
-            <a:ext cx="967627" cy="236988"/>
+            <a:off x="9423788" y="1869145"/>
+            <a:ext cx="1053600" cy="215444"/>
           </a:xfrm>
           <a:prstGeom prst="rect">
             <a:avLst/>
@@ -9638,7 +10137,7 @@
           <a:p>
             <a:pPr algn="ctr"/>
             <a:r>
-              <a:rPr lang="en-IN" sz="900" dirty="0"/>
+              <a:rPr lang="en-IN" sz="800" dirty="0"/>
               <a:t>Cloud watch</a:t>
             </a:r>
           </a:p>
@@ -9646,10 +10145,10 @@
       </p:sp>
       <p:sp>
         <p:nvSpPr>
-          <p:cNvPr id="40" name="TextBox 15">
-            <a:extLst>
-              <a:ext uri="{FF2B5EF4-FFF2-40B4-BE49-F238E27FC236}">
-                <a16:creationId xmlns:a16="http://schemas.microsoft.com/office/drawing/2014/main" id="{BC8A5215-C23E-B105-3732-DCF58FB6A1F6}"/>
+          <p:cNvPr id="90" name="TextBox 15">
+            <a:extLst>
+              <a:ext uri="{FF2B5EF4-FFF2-40B4-BE49-F238E27FC236}">
+                <a16:creationId xmlns:a16="http://schemas.microsoft.com/office/drawing/2014/main" id="{BA2B2BBC-5559-B971-8627-F081C648767C}"/>
               </a:ext>
             </a:extLst>
           </p:cNvPr>
@@ -9658,8 +10157,8 @@
         </p:nvSpPr>
         <p:spPr>
           <a:xfrm>
-            <a:off x="8748299" y="1903359"/>
-            <a:ext cx="1128428" cy="236988"/>
+            <a:off x="8516551" y="1853165"/>
+            <a:ext cx="1228688" cy="215444"/>
           </a:xfrm>
           <a:prstGeom prst="rect">
             <a:avLst/>
@@ -9768,7 +10267,7 @@
           <a:p>
             <a:pPr algn="ctr"/>
             <a:r>
-              <a:rPr lang="en-IN" sz="900" dirty="0"/>
+              <a:rPr lang="en-IN" sz="800" dirty="0"/>
               <a:t>Cloud Trail</a:t>
             </a:r>
           </a:p>
@@ -9776,10 +10275,10 @@
       </p:sp>
       <p:sp>
         <p:nvSpPr>
-          <p:cNvPr id="41" name="TextBox 24">
-            <a:extLst>
-              <a:ext uri="{FF2B5EF4-FFF2-40B4-BE49-F238E27FC236}">
-                <a16:creationId xmlns:a16="http://schemas.microsoft.com/office/drawing/2014/main" id="{3D86E694-B17D-2CD5-7515-F4A1933F43D2}"/>
+          <p:cNvPr id="91" name="TextBox 24">
+            <a:extLst>
+              <a:ext uri="{FF2B5EF4-FFF2-40B4-BE49-F238E27FC236}">
+                <a16:creationId xmlns:a16="http://schemas.microsoft.com/office/drawing/2014/main" id="{44889EB6-7522-F700-C3D8-00024835B687}"/>
               </a:ext>
             </a:extLst>
           </p:cNvPr>
@@ -9788,8 +10287,8 @@
         </p:nvSpPr>
         <p:spPr>
           <a:xfrm>
-            <a:off x="1754861" y="3924234"/>
-            <a:ext cx="1131226" cy="778675"/>
+            <a:off x="2142443" y="4617168"/>
+            <a:ext cx="1231734" cy="584775"/>
           </a:xfrm>
           <a:prstGeom prst="rect">
             <a:avLst/>
@@ -9898,26 +10397,26 @@
           <a:p>
             <a:pPr algn="ctr"/>
             <a:r>
-              <a:rPr lang="en-US" sz="900" b="1" dirty="0"/>
+              <a:rPr lang="en-US" sz="800" b="1" dirty="0"/>
               <a:t>Lambda 2</a:t>
             </a:r>
           </a:p>
           <a:p>
             <a:pPr algn="ctr"/>
             <a:r>
-              <a:rPr lang="en-US" sz="900" dirty="0"/>
+              <a:rPr lang="en-US" sz="800" dirty="0"/>
               <a:t>(designed to fetch and filter the data provided by the client)</a:t>
             </a:r>
-            <a:endParaRPr lang="en-IN" sz="900" b="1" dirty="0"/>
+            <a:endParaRPr lang="en-IN" sz="800" b="1" dirty="0"/>
           </a:p>
         </p:txBody>
       </p:sp>
       <p:pic>
         <p:nvPicPr>
-          <p:cNvPr id="42" name="Graphic 24">
-            <a:extLst>
-              <a:ext uri="{FF2B5EF4-FFF2-40B4-BE49-F238E27FC236}">
-                <a16:creationId xmlns:a16="http://schemas.microsoft.com/office/drawing/2014/main" id="{179E6975-23A4-C007-87AD-428B7D6F4C52}"/>
+          <p:cNvPr id="92" name="Graphic 24">
+            <a:extLst>
+              <a:ext uri="{FF2B5EF4-FFF2-40B4-BE49-F238E27FC236}">
+                <a16:creationId xmlns:a16="http://schemas.microsoft.com/office/drawing/2014/main" id="{3B648519-137D-9249-8386-436FF3FA4846}"/>
               </a:ext>
             </a:extLst>
           </p:cNvPr>
@@ -9927,7 +10426,7 @@
           <p:nvPr/>
         </p:nvPicPr>
         <p:blipFill>
-          <a:blip r:embed="rId15" cstate="print">
+          <a:blip r:embed="rId16" cstate="print">
             <a:extLst>
               <a:ext uri="{28A0092B-C50C-407E-A947-70E740481C1C}">
                 <a14:useLocalDpi xmlns:a14="http://schemas.microsoft.com/office/drawing/2010/main" val="0"/>
@@ -9941,8 +10440,8 @@
         </p:blipFill>
         <p:spPr bwMode="auto">
           <a:xfrm>
-            <a:off x="4866186" y="3771141"/>
-            <a:ext cx="459702" cy="459702"/>
+            <a:off x="5113515" y="4291836"/>
+            <a:ext cx="550600" cy="550600"/>
           </a:xfrm>
           <a:prstGeom prst="rect">
             <a:avLst/>
@@ -9974,10 +10473,10 @@
       </p:pic>
       <p:sp>
         <p:nvSpPr>
-          <p:cNvPr id="43" name="TextBox 48">
-            <a:extLst>
-              <a:ext uri="{FF2B5EF4-FFF2-40B4-BE49-F238E27FC236}">
-                <a16:creationId xmlns:a16="http://schemas.microsoft.com/office/drawing/2014/main" id="{4F07E85F-232C-7F27-3077-AA7598AC1F5A}"/>
+          <p:cNvPr id="93" name="TextBox 48">
+            <a:extLst>
+              <a:ext uri="{FF2B5EF4-FFF2-40B4-BE49-F238E27FC236}">
+                <a16:creationId xmlns:a16="http://schemas.microsoft.com/office/drawing/2014/main" id="{953CF37E-8288-43B7-1CF5-5297C20F90C5}"/>
               </a:ext>
             </a:extLst>
           </p:cNvPr>
@@ -9986,8 +10485,8 @@
         </p:nvSpPr>
         <p:spPr>
           <a:xfrm>
-            <a:off x="4537589" y="4219890"/>
-            <a:ext cx="1137866" cy="778675"/>
+            <a:off x="4895505" y="4802762"/>
+            <a:ext cx="1065075" cy="707886"/>
           </a:xfrm>
           <a:prstGeom prst="rect">
             <a:avLst/>
@@ -10096,30 +10595,30 @@
           <a:p>
             <a:pPr algn="ctr"/>
             <a:r>
-              <a:rPr lang="en-US" sz="900" b="1" dirty="0"/>
+              <a:rPr lang="en-US" sz="800" b="1" dirty="0"/>
               <a:t>SNS</a:t>
             </a:r>
             <a:r>
-              <a:rPr lang="en-US" sz="900" dirty="0"/>
+              <a:rPr lang="en-US" sz="800" dirty="0"/>
               <a:t> </a:t>
             </a:r>
           </a:p>
           <a:p>
             <a:pPr algn="ctr"/>
             <a:r>
-              <a:rPr lang="en-US" sz="900" dirty="0"/>
+              <a:rPr lang="en-US" sz="800" dirty="0"/>
               <a:t>(A notification will be triggered if the specified drug name is not available)</a:t>
             </a:r>
-            <a:endParaRPr lang="en-IN" sz="900" dirty="0"/>
+            <a:endParaRPr lang="en-IN" sz="800" dirty="0"/>
           </a:p>
         </p:txBody>
       </p:sp>
       <p:sp>
         <p:nvSpPr>
-          <p:cNvPr id="44" name="TextBox 147">
-            <a:extLst>
-              <a:ext uri="{FF2B5EF4-FFF2-40B4-BE49-F238E27FC236}">
-                <a16:creationId xmlns:a16="http://schemas.microsoft.com/office/drawing/2014/main" id="{79935A5D-3104-8633-F3CC-621BE0953A02}"/>
+          <p:cNvPr id="97" name="TextBox 147">
+            <a:extLst>
+              <a:ext uri="{FF2B5EF4-FFF2-40B4-BE49-F238E27FC236}">
+                <a16:creationId xmlns:a16="http://schemas.microsoft.com/office/drawing/2014/main" id="{FCE0CFD2-DA13-9B7D-27B1-BEB70FCD80EB}"/>
               </a:ext>
             </a:extLst>
           </p:cNvPr>
@@ -10128,8 +10627,8 @@
         </p:nvSpPr>
         <p:spPr>
           <a:xfrm>
-            <a:off x="11525693" y="2387945"/>
-            <a:ext cx="911801" cy="236988"/>
+            <a:off x="11404835" y="3116709"/>
+            <a:ext cx="992813" cy="215444"/>
           </a:xfrm>
           <a:prstGeom prst="rect">
             <a:avLst/>
@@ -10237,7 +10736,7 @@
           </a:lstStyle>
           <a:p>
             <a:r>
-              <a:rPr lang="en-IN" sz="900" dirty="0">
+              <a:rPr lang="en-IN" sz="800" dirty="0">
                 <a:ea typeface="Calibri" panose="020F0502020204030204" pitchFamily="34" charset="0"/>
                 <a:cs typeface="Calibri" panose="020F0502020204030204" pitchFamily="34" charset="0"/>
               </a:rPr>
@@ -10248,10 +10747,10 @@
       </p:sp>
       <p:pic>
         <p:nvPicPr>
-          <p:cNvPr id="45" name="Graphic 13">
-            <a:extLst>
-              <a:ext uri="{FF2B5EF4-FFF2-40B4-BE49-F238E27FC236}">
-                <a16:creationId xmlns:a16="http://schemas.microsoft.com/office/drawing/2014/main" id="{60F4E557-83D6-DC8D-1764-94FD910444EB}"/>
+          <p:cNvPr id="10" name="Graphic 13">
+            <a:extLst>
+              <a:ext uri="{FF2B5EF4-FFF2-40B4-BE49-F238E27FC236}">
+                <a16:creationId xmlns:a16="http://schemas.microsoft.com/office/drawing/2014/main" id="{1D6C23F7-BC72-7007-D2E0-444F1360F10A}"/>
               </a:ext>
             </a:extLst>
           </p:cNvPr>
@@ -10261,7 +10760,7 @@
           <p:nvPr/>
         </p:nvPicPr>
         <p:blipFill>
-          <a:blip r:embed="rId6">
+          <a:blip r:embed="rId7">
             <a:extLst>
               <a:ext uri="{28A0092B-C50C-407E-A947-70E740481C1C}">
                 <a14:useLocalDpi xmlns:a14="http://schemas.microsoft.com/office/drawing/2010/main" val="0"/>
@@ -10275,8 +10774,8 @@
         </p:blipFill>
         <p:spPr bwMode="auto">
           <a:xfrm>
-            <a:off x="2116966" y="1962848"/>
-            <a:ext cx="639913" cy="639913"/>
+            <a:off x="2855379" y="2075930"/>
+            <a:ext cx="766445" cy="766445"/>
           </a:xfrm>
           <a:prstGeom prst="rect">
             <a:avLst/>
@@ -10308,24 +10807,24 @@
       </p:pic>
       <p:cxnSp>
         <p:nvCxnSpPr>
-          <p:cNvPr id="46" name="Straight Arrow Connector 15">
-            <a:extLst>
-              <a:ext uri="{FF2B5EF4-FFF2-40B4-BE49-F238E27FC236}">
-                <a16:creationId xmlns:a16="http://schemas.microsoft.com/office/drawing/2014/main" id="{5CEC32AB-8737-30A7-1AFF-96E673A4275F}"/>
+          <p:cNvPr id="16" name="Straight Arrow Connector 15">
+            <a:extLst>
+              <a:ext uri="{FF2B5EF4-FFF2-40B4-BE49-F238E27FC236}">
+                <a16:creationId xmlns:a16="http://schemas.microsoft.com/office/drawing/2014/main" id="{0FCC779E-D5E5-E0CE-EAFD-2112CDE1C240}"/>
               </a:ext>
             </a:extLst>
           </p:cNvPr>
           <p:cNvCxnSpPr>
             <a:cxnSpLocks/>
-            <a:stCxn id="45" idx="3"/>
-            <a:endCxn id="19" idx="0"/>
+            <a:stCxn id="10" idx="3"/>
+            <a:endCxn id="62" idx="0"/>
           </p:cNvCxnSpPr>
           <p:nvPr/>
         </p:nvCxnSpPr>
         <p:spPr>
           <a:xfrm>
-            <a:off x="2756879" y="2282805"/>
-            <a:ext cx="1574873" cy="223634"/>
+            <a:off x="3621824" y="2459153"/>
+            <a:ext cx="1098316" cy="165376"/>
           </a:xfrm>
           <a:prstGeom prst="bentConnector2">
             <a:avLst/>
@@ -10351,23 +10850,24 @@
       </p:cxnSp>
       <p:cxnSp>
         <p:nvCxnSpPr>
-          <p:cNvPr id="47" name="Straight Arrow Connector 97">
-            <a:extLst>
-              <a:ext uri="{FF2B5EF4-FFF2-40B4-BE49-F238E27FC236}">
-                <a16:creationId xmlns:a16="http://schemas.microsoft.com/office/drawing/2014/main" id="{309B93CF-B027-E422-B6B6-D5EB711CB81E}"/>
+          <p:cNvPr id="98" name="Straight Arrow Connector 97">
+            <a:extLst>
+              <a:ext uri="{FF2B5EF4-FFF2-40B4-BE49-F238E27FC236}">
+                <a16:creationId xmlns:a16="http://schemas.microsoft.com/office/drawing/2014/main" id="{92CBDD73-6EE2-BE59-5751-9BCB1D65671B}"/>
               </a:ext>
             </a:extLst>
           </p:cNvPr>
           <p:cNvCxnSpPr>
             <a:cxnSpLocks/>
-            <a:stCxn id="19" idx="2"/>
+            <a:stCxn id="62" idx="2"/>
+            <a:endCxn id="61" idx="3"/>
           </p:cNvCxnSpPr>
           <p:nvPr/>
         </p:nvCxnSpPr>
         <p:spPr>
           <a:xfrm rot="5400000">
-            <a:off x="3481431" y="2979651"/>
-            <a:ext cx="706393" cy="994250"/>
+            <a:off x="3696125" y="3356004"/>
+            <a:ext cx="1016320" cy="1031711"/>
           </a:xfrm>
           <a:prstGeom prst="bentConnector2">
             <a:avLst/>
@@ -10394,630 +10894,23 @@
       </p:cxnSp>
       <p:cxnSp>
         <p:nvCxnSpPr>
-          <p:cNvPr id="48" name="Straight Arrow Connector 47">
-            <a:extLst>
-              <a:ext uri="{FF2B5EF4-FFF2-40B4-BE49-F238E27FC236}">
-                <a16:creationId xmlns:a16="http://schemas.microsoft.com/office/drawing/2014/main" id="{E0E01251-ADF5-B17E-3938-08139E252EE3}"/>
+          <p:cNvPr id="115" name="Straight Arrow Connector 114">
+            <a:extLst>
+              <a:ext uri="{FF2B5EF4-FFF2-40B4-BE49-F238E27FC236}">
+                <a16:creationId xmlns:a16="http://schemas.microsoft.com/office/drawing/2014/main" id="{9E0A5955-8B5E-2B07-B956-71610F8CAD4A}"/>
               </a:ext>
             </a:extLst>
           </p:cNvPr>
           <p:cNvCxnSpPr>
             <a:cxnSpLocks/>
-            <a:stCxn id="18" idx="3"/>
-            <a:endCxn id="42" idx="1"/>
+            <a:endCxn id="92" idx="1"/>
           </p:cNvCxnSpPr>
           <p:nvPr/>
         </p:nvCxnSpPr>
         <p:spPr>
           <a:xfrm>
-            <a:off x="3337502" y="3993617"/>
-            <a:ext cx="1528684" cy="7375"/>
-          </a:xfrm>
-          <a:prstGeom prst="straightConnector1">
-            <a:avLst/>
-          </a:prstGeom>
-          <a:ln>
-            <a:tailEnd type="triangle"/>
-          </a:ln>
-        </p:spPr>
-        <p:style>
-          <a:lnRef idx="1">
-            <a:schemeClr val="accent1"/>
-          </a:lnRef>
-          <a:fillRef idx="0">
-            <a:schemeClr val="accent1"/>
-          </a:fillRef>
-          <a:effectRef idx="0">
-            <a:schemeClr val="accent1"/>
-          </a:effectRef>
-          <a:fontRef idx="minor">
-            <a:schemeClr val="tx1"/>
-          </a:fontRef>
-        </p:style>
-      </p:cxnSp>
-      <p:sp>
-        <p:nvSpPr>
-          <p:cNvPr id="49" name="TextBox 48">
-            <a:extLst>
-              <a:ext uri="{FF2B5EF4-FFF2-40B4-BE49-F238E27FC236}">
-                <a16:creationId xmlns:a16="http://schemas.microsoft.com/office/drawing/2014/main" id="{85E0D00B-393F-4B60-6C2C-5A3ED9772E36}"/>
-              </a:ext>
-            </a:extLst>
-          </p:cNvPr>
-          <p:cNvSpPr txBox="1"/>
-          <p:nvPr/>
-        </p:nvSpPr>
-        <p:spPr>
-          <a:xfrm>
-            <a:off x="2210761" y="2433589"/>
-            <a:ext cx="1317026" cy="923330"/>
-          </a:xfrm>
-          <a:prstGeom prst="rect">
-            <a:avLst/>
-          </a:prstGeom>
-          <a:noFill/>
-        </p:spPr>
-        <p:txBody>
-          <a:bodyPr wrap="square" rtlCol="0">
-            <a:spAutoFit/>
-          </a:bodyPr>
-          <a:lstStyle/>
-          <a:p>
-            <a:pPr algn="ctr"/>
-            <a:r>
-              <a:rPr lang="en-US" sz="900" b="1" dirty="0"/>
-              <a:t>Lambda</a:t>
-            </a:r>
-            <a:r>
-              <a:rPr lang="en-US" sz="900" dirty="0"/>
-              <a:t> </a:t>
-            </a:r>
-            <a:r>
-              <a:rPr lang="en-US" sz="900" b="1" dirty="0"/>
-              <a:t>1</a:t>
-            </a:r>
-            <a:br>
-              <a:rPr lang="en-US" sz="900" dirty="0"/>
-            </a:br>
-            <a:r>
-              <a:rPr lang="en-US" sz="900" dirty="0"/>
-              <a:t>(Retrieves and extracts only the essential data from the Canadian Vigilance Product zip file, storing it in S3.)</a:t>
-            </a:r>
-            <a:endParaRPr lang="en-IN" sz="900" dirty="0"/>
-          </a:p>
-        </p:txBody>
-      </p:sp>
-      <p:pic>
-        <p:nvPicPr>
-          <p:cNvPr id="50" name="Picture 2" descr="Zip file - Free interface icons">
-            <a:extLst>
-              <a:ext uri="{FF2B5EF4-FFF2-40B4-BE49-F238E27FC236}">
-                <a16:creationId xmlns:a16="http://schemas.microsoft.com/office/drawing/2014/main" id="{1D54E474-3A84-73F5-C47E-6FCAA0AD969C}"/>
-              </a:ext>
-            </a:extLst>
-          </p:cNvPr>
-          <p:cNvPicPr>
-            <a:picLocks noChangeAspect="1" noChangeArrowheads="1"/>
-          </p:cNvPicPr>
-          <p:nvPr/>
-        </p:nvPicPr>
-        <p:blipFill>
-          <a:blip r:embed="rId16">
-            <a:extLst>
-              <a:ext uri="{28A0092B-C50C-407E-A947-70E740481C1C}">
-                <a14:useLocalDpi xmlns:a14="http://schemas.microsoft.com/office/drawing/2010/main" val="0"/>
-              </a:ext>
-            </a:extLst>
-          </a:blip>
-          <a:srcRect/>
-          <a:stretch>
-            <a:fillRect/>
-          </a:stretch>
-        </p:blipFill>
-        <p:spPr bwMode="auto">
-          <a:xfrm>
-            <a:off x="73556" y="2056054"/>
-            <a:ext cx="461882" cy="461882"/>
-          </a:xfrm>
-          <a:prstGeom prst="rect">
-            <a:avLst/>
-          </a:prstGeom>
-          <a:noFill/>
-          <a:extLst>
-            <a:ext uri="{909E8E84-426E-40DD-AFC4-6F175D3DCCD1}">
-              <a14:hiddenFill xmlns:a14="http://schemas.microsoft.com/office/drawing/2010/main">
-                <a:solidFill>
-                  <a:srgbClr val="FFFFFF"/>
-                </a:solidFill>
-              </a14:hiddenFill>
-            </a:ext>
-          </a:extLst>
-        </p:spPr>
-      </p:pic>
-      <p:sp>
-        <p:nvSpPr>
-          <p:cNvPr id="51" name="TextBox 119">
-            <a:extLst>
-              <a:ext uri="{FF2B5EF4-FFF2-40B4-BE49-F238E27FC236}">
-                <a16:creationId xmlns:a16="http://schemas.microsoft.com/office/drawing/2014/main" id="{6C0E320E-DF8F-1CFF-DF57-9B75374E11CA}"/>
-              </a:ext>
-            </a:extLst>
-          </p:cNvPr>
-          <p:cNvSpPr txBox="1"/>
-          <p:nvPr/>
-        </p:nvSpPr>
-        <p:spPr>
-          <a:xfrm>
-            <a:off x="-13454" y="2496479"/>
-            <a:ext cx="1159371" cy="236988"/>
-          </a:xfrm>
-          <a:prstGeom prst="rect">
-            <a:avLst/>
-          </a:prstGeom>
-          <a:noFill/>
-        </p:spPr>
-        <p:txBody>
-          <a:bodyPr wrap="square" rtlCol="0">
-            <a:spAutoFit/>
-          </a:bodyPr>
-          <a:lstStyle>
-            <a:defPPr>
-              <a:defRPr lang="en-US"/>
-            </a:defPPr>
-            <a:lvl1pPr marL="0" algn="l" defTabSz="914400" rtl="0" eaLnBrk="1" latinLnBrk="0" hangingPunct="1">
-              <a:defRPr sz="1800" kern="1200">
-                <a:solidFill>
-                  <a:schemeClr val="tx1"/>
-                </a:solidFill>
-                <a:latin typeface="+mn-lt"/>
-                <a:ea typeface="+mn-ea"/>
-                <a:cs typeface="+mn-cs"/>
-              </a:defRPr>
-            </a:lvl1pPr>
-            <a:lvl2pPr marL="457200" algn="l" defTabSz="914400" rtl="0" eaLnBrk="1" latinLnBrk="0" hangingPunct="1">
-              <a:defRPr sz="1800" kern="1200">
-                <a:solidFill>
-                  <a:schemeClr val="tx1"/>
-                </a:solidFill>
-                <a:latin typeface="+mn-lt"/>
-                <a:ea typeface="+mn-ea"/>
-                <a:cs typeface="+mn-cs"/>
-              </a:defRPr>
-            </a:lvl2pPr>
-            <a:lvl3pPr marL="914400" algn="l" defTabSz="914400" rtl="0" eaLnBrk="1" latinLnBrk="0" hangingPunct="1">
-              <a:defRPr sz="1800" kern="1200">
-                <a:solidFill>
-                  <a:schemeClr val="tx1"/>
-                </a:solidFill>
-                <a:latin typeface="+mn-lt"/>
-                <a:ea typeface="+mn-ea"/>
-                <a:cs typeface="+mn-cs"/>
-              </a:defRPr>
-            </a:lvl3pPr>
-            <a:lvl4pPr marL="1371600" algn="l" defTabSz="914400" rtl="0" eaLnBrk="1" latinLnBrk="0" hangingPunct="1">
-              <a:defRPr sz="1800" kern="1200">
-                <a:solidFill>
-                  <a:schemeClr val="tx1"/>
-                </a:solidFill>
-                <a:latin typeface="+mn-lt"/>
-                <a:ea typeface="+mn-ea"/>
-                <a:cs typeface="+mn-cs"/>
-              </a:defRPr>
-            </a:lvl4pPr>
-            <a:lvl5pPr marL="1828800" algn="l" defTabSz="914400" rtl="0" eaLnBrk="1" latinLnBrk="0" hangingPunct="1">
-              <a:defRPr sz="1800" kern="1200">
-                <a:solidFill>
-                  <a:schemeClr val="tx1"/>
-                </a:solidFill>
-                <a:latin typeface="+mn-lt"/>
-                <a:ea typeface="+mn-ea"/>
-                <a:cs typeface="+mn-cs"/>
-              </a:defRPr>
-            </a:lvl5pPr>
-            <a:lvl6pPr marL="2286000" algn="l" defTabSz="914400" rtl="0" eaLnBrk="1" latinLnBrk="0" hangingPunct="1">
-              <a:defRPr sz="1800" kern="1200">
-                <a:solidFill>
-                  <a:schemeClr val="tx1"/>
-                </a:solidFill>
-                <a:latin typeface="+mn-lt"/>
-                <a:ea typeface="+mn-ea"/>
-                <a:cs typeface="+mn-cs"/>
-              </a:defRPr>
-            </a:lvl6pPr>
-            <a:lvl7pPr marL="2743200" algn="l" defTabSz="914400" rtl="0" eaLnBrk="1" latinLnBrk="0" hangingPunct="1">
-              <a:defRPr sz="1800" kern="1200">
-                <a:solidFill>
-                  <a:schemeClr val="tx1"/>
-                </a:solidFill>
-                <a:latin typeface="+mn-lt"/>
-                <a:ea typeface="+mn-ea"/>
-                <a:cs typeface="+mn-cs"/>
-              </a:defRPr>
-            </a:lvl7pPr>
-            <a:lvl8pPr marL="3200400" algn="l" defTabSz="914400" rtl="0" eaLnBrk="1" latinLnBrk="0" hangingPunct="1">
-              <a:defRPr sz="1800" kern="1200">
-                <a:solidFill>
-                  <a:schemeClr val="tx1"/>
-                </a:solidFill>
-                <a:latin typeface="+mn-lt"/>
-                <a:ea typeface="+mn-ea"/>
-                <a:cs typeface="+mn-cs"/>
-              </a:defRPr>
-            </a:lvl8pPr>
-            <a:lvl9pPr marL="3657600" algn="l" defTabSz="914400" rtl="0" eaLnBrk="1" latinLnBrk="0" hangingPunct="1">
-              <a:defRPr sz="1800" kern="1200">
-                <a:solidFill>
-                  <a:schemeClr val="tx1"/>
-                </a:solidFill>
-                <a:latin typeface="+mn-lt"/>
-                <a:ea typeface="+mn-ea"/>
-                <a:cs typeface="+mn-cs"/>
-              </a:defRPr>
-            </a:lvl9pPr>
-          </a:lstStyle>
-          <a:p>
-            <a:r>
-              <a:rPr lang="en-IN" sz="900" dirty="0">
-                <a:ea typeface="Calibri" panose="020F0502020204030204" pitchFamily="34" charset="0"/>
-                <a:cs typeface="Calibri" panose="020F0502020204030204" pitchFamily="34" charset="0"/>
-              </a:rPr>
-              <a:t>Source data</a:t>
-            </a:r>
-          </a:p>
-        </p:txBody>
-      </p:sp>
-      <p:cxnSp>
-        <p:nvCxnSpPr>
-          <p:cNvPr id="52" name="Straight Arrow Connector 51">
-            <a:extLst>
-              <a:ext uri="{FF2B5EF4-FFF2-40B4-BE49-F238E27FC236}">
-                <a16:creationId xmlns:a16="http://schemas.microsoft.com/office/drawing/2014/main" id="{03FFD4BC-C49A-5B86-CF8A-6D4207F4DFA5}"/>
-              </a:ext>
-            </a:extLst>
-          </p:cNvPr>
-          <p:cNvCxnSpPr>
-            <a:cxnSpLocks/>
-            <a:stCxn id="50" idx="3"/>
-            <a:endCxn id="45" idx="1"/>
-          </p:cNvCxnSpPr>
-          <p:nvPr/>
-        </p:nvCxnSpPr>
-        <p:spPr>
-          <a:xfrm flipV="1">
-            <a:off x="535438" y="2282805"/>
-            <a:ext cx="1581528" cy="4190"/>
-          </a:xfrm>
-          <a:prstGeom prst="straightConnector1">
-            <a:avLst/>
-          </a:prstGeom>
-          <a:ln>
-            <a:headEnd type="triangle"/>
-            <a:tailEnd type="triangle"/>
-          </a:ln>
-        </p:spPr>
-        <p:style>
-          <a:lnRef idx="1">
-            <a:schemeClr val="accent1"/>
-          </a:lnRef>
-          <a:fillRef idx="0">
-            <a:schemeClr val="accent1"/>
-          </a:fillRef>
-          <a:effectRef idx="0">
-            <a:schemeClr val="accent1"/>
-          </a:effectRef>
-          <a:fontRef idx="minor">
-            <a:schemeClr val="tx1"/>
-          </a:fontRef>
-        </p:style>
-      </p:cxnSp>
-      <p:cxnSp>
-        <p:nvCxnSpPr>
-          <p:cNvPr id="53" name="Straight Arrow Connector 58">
-            <a:extLst>
-              <a:ext uri="{FF2B5EF4-FFF2-40B4-BE49-F238E27FC236}">
-                <a16:creationId xmlns:a16="http://schemas.microsoft.com/office/drawing/2014/main" id="{2A7BEB64-8DA9-A5B3-8B64-5AFCB054C60D}"/>
-              </a:ext>
-            </a:extLst>
-          </p:cNvPr>
-          <p:cNvCxnSpPr>
-            <a:cxnSpLocks/>
-            <a:stCxn id="25" idx="3"/>
-            <a:endCxn id="28" idx="2"/>
-          </p:cNvCxnSpPr>
-          <p:nvPr/>
-        </p:nvCxnSpPr>
-        <p:spPr>
-          <a:xfrm flipV="1">
-            <a:off x="10264695" y="3087432"/>
-            <a:ext cx="1567187" cy="2031789"/>
-          </a:xfrm>
-          <a:prstGeom prst="bentConnector2">
-            <a:avLst/>
-          </a:prstGeom>
-          <a:ln>
-            <a:tailEnd type="triangle"/>
-          </a:ln>
-        </p:spPr>
-        <p:style>
-          <a:lnRef idx="1">
-            <a:schemeClr val="accent1"/>
-          </a:lnRef>
-          <a:fillRef idx="0">
-            <a:schemeClr val="accent1"/>
-          </a:fillRef>
-          <a:effectRef idx="0">
-            <a:schemeClr val="accent1"/>
-          </a:effectRef>
-          <a:fontRef idx="minor">
-            <a:schemeClr val="tx1"/>
-          </a:fontRef>
-        </p:style>
-      </p:cxnSp>
-      <p:pic>
-        <p:nvPicPr>
-          <p:cNvPr id="73" name="Picture 10">
-            <a:extLst>
-              <a:ext uri="{FF2B5EF4-FFF2-40B4-BE49-F238E27FC236}">
-                <a16:creationId xmlns:a16="http://schemas.microsoft.com/office/drawing/2014/main" id="{9DBA5247-CDA3-BF62-39A2-59315171DDB6}"/>
-              </a:ext>
-            </a:extLst>
-          </p:cNvPr>
-          <p:cNvPicPr>
-            <a:picLocks noChangeAspect="1" noChangeArrowheads="1"/>
-          </p:cNvPicPr>
-          <p:nvPr/>
-        </p:nvPicPr>
-        <p:blipFill>
-          <a:blip r:embed="rId17">
-            <a:extLst>
-              <a:ext uri="{28A0092B-C50C-407E-A947-70E740481C1C}">
-                <a14:useLocalDpi xmlns:a14="http://schemas.microsoft.com/office/drawing/2010/main" val="0"/>
-              </a:ext>
-            </a:extLst>
-          </a:blip>
-          <a:srcRect/>
-          <a:stretch>
-            <a:fillRect/>
-          </a:stretch>
-        </p:blipFill>
-        <p:spPr bwMode="auto">
-          <a:xfrm>
-            <a:off x="7426920" y="2817689"/>
-            <a:ext cx="757940" cy="744686"/>
-          </a:xfrm>
-          <a:prstGeom prst="rect">
-            <a:avLst/>
-          </a:prstGeom>
-          <a:noFill/>
-          <a:extLst>
-            <a:ext uri="{909E8E84-426E-40DD-AFC4-6F175D3DCCD1}">
-              <a14:hiddenFill xmlns:a14="http://schemas.microsoft.com/office/drawing/2010/main">
-                <a:solidFill>
-                  <a:srgbClr val="FFFFFF"/>
-                </a:solidFill>
-              </a14:hiddenFill>
-            </a:ext>
-          </a:extLst>
-        </p:spPr>
-      </p:pic>
-      <p:pic>
-        <p:nvPicPr>
-          <p:cNvPr id="84" name="Graphic 13">
-            <a:extLst>
-              <a:ext uri="{FF2B5EF4-FFF2-40B4-BE49-F238E27FC236}">
-                <a16:creationId xmlns:a16="http://schemas.microsoft.com/office/drawing/2014/main" id="{5C1BBE31-B506-2EDE-347A-F3079877A86A}"/>
-              </a:ext>
-            </a:extLst>
-          </p:cNvPr>
-          <p:cNvPicPr>
-            <a:picLocks noChangeAspect="1" noChangeArrowheads="1"/>
-          </p:cNvPicPr>
-          <p:nvPr/>
-        </p:nvPicPr>
-        <p:blipFill>
-          <a:blip r:embed="rId6">
-            <a:extLst>
-              <a:ext uri="{28A0092B-C50C-407E-A947-70E740481C1C}">
-                <a14:useLocalDpi xmlns:a14="http://schemas.microsoft.com/office/drawing/2010/main" val="0"/>
-              </a:ext>
-            </a:extLst>
-          </a:blip>
-          <a:srcRect/>
-          <a:stretch>
-            <a:fillRect/>
-          </a:stretch>
-        </p:blipFill>
-        <p:spPr bwMode="auto">
-          <a:xfrm>
-            <a:off x="2698957" y="4780776"/>
-            <a:ext cx="639913" cy="639913"/>
-          </a:xfrm>
-          <a:prstGeom prst="rect">
-            <a:avLst/>
-          </a:prstGeom>
-          <a:noFill/>
-          <a:ln>
-            <a:noFill/>
-          </a:ln>
-          <a:extLst>
-            <a:ext uri="{909E8E84-426E-40DD-AFC4-6F175D3DCCD1}">
-              <a14:hiddenFill xmlns:a14="http://schemas.microsoft.com/office/drawing/2010/main">
-                <a:solidFill>
-                  <a:srgbClr val="FFFFFF"/>
-                </a:solidFill>
-              </a14:hiddenFill>
-            </a:ext>
-            <a:ext uri="{91240B29-F687-4F45-9708-019B960494DF}">
-              <a14:hiddenLine xmlns:a14="http://schemas.microsoft.com/office/drawing/2010/main" w="9525">
-                <a:solidFill>
-                  <a:srgbClr val="000000"/>
-                </a:solidFill>
-                <a:miter lim="800000"/>
-                <a:headEnd/>
-                <a:tailEnd/>
-              </a14:hiddenLine>
-            </a:ext>
-          </a:extLst>
-        </p:spPr>
-      </p:pic>
-      <p:sp>
-        <p:nvSpPr>
-          <p:cNvPr id="94" name="TextBox 24">
-            <a:extLst>
-              <a:ext uri="{FF2B5EF4-FFF2-40B4-BE49-F238E27FC236}">
-                <a16:creationId xmlns:a16="http://schemas.microsoft.com/office/drawing/2014/main" id="{EFB44871-BE64-FA3D-287C-1283053D93E2}"/>
-              </a:ext>
-            </a:extLst>
-          </p:cNvPr>
-          <p:cNvSpPr txBox="1"/>
-          <p:nvPr/>
-        </p:nvSpPr>
-        <p:spPr>
-          <a:xfrm>
-            <a:off x="1692463" y="4770905"/>
-            <a:ext cx="1131226" cy="778675"/>
-          </a:xfrm>
-          <a:prstGeom prst="rect">
-            <a:avLst/>
-          </a:prstGeom>
-          <a:noFill/>
-        </p:spPr>
-        <p:txBody>
-          <a:bodyPr wrap="square" rtlCol="0">
-            <a:spAutoFit/>
-          </a:bodyPr>
-          <a:lstStyle>
-            <a:defPPr>
-              <a:defRPr lang="en-US"/>
-            </a:defPPr>
-            <a:lvl1pPr marL="0" algn="l" defTabSz="914400" rtl="0" eaLnBrk="1" latinLnBrk="0" hangingPunct="1">
-              <a:defRPr sz="1800" kern="1200">
-                <a:solidFill>
-                  <a:schemeClr val="tx1"/>
-                </a:solidFill>
-                <a:latin typeface="+mn-lt"/>
-                <a:ea typeface="+mn-ea"/>
-                <a:cs typeface="+mn-cs"/>
-              </a:defRPr>
-            </a:lvl1pPr>
-            <a:lvl2pPr marL="457200" algn="l" defTabSz="914400" rtl="0" eaLnBrk="1" latinLnBrk="0" hangingPunct="1">
-              <a:defRPr sz="1800" kern="1200">
-                <a:solidFill>
-                  <a:schemeClr val="tx1"/>
-                </a:solidFill>
-                <a:latin typeface="+mn-lt"/>
-                <a:ea typeface="+mn-ea"/>
-                <a:cs typeface="+mn-cs"/>
-              </a:defRPr>
-            </a:lvl2pPr>
-            <a:lvl3pPr marL="914400" algn="l" defTabSz="914400" rtl="0" eaLnBrk="1" latinLnBrk="0" hangingPunct="1">
-              <a:defRPr sz="1800" kern="1200">
-                <a:solidFill>
-                  <a:schemeClr val="tx1"/>
-                </a:solidFill>
-                <a:latin typeface="+mn-lt"/>
-                <a:ea typeface="+mn-ea"/>
-                <a:cs typeface="+mn-cs"/>
-              </a:defRPr>
-            </a:lvl3pPr>
-            <a:lvl4pPr marL="1371600" algn="l" defTabSz="914400" rtl="0" eaLnBrk="1" latinLnBrk="0" hangingPunct="1">
-              <a:defRPr sz="1800" kern="1200">
-                <a:solidFill>
-                  <a:schemeClr val="tx1"/>
-                </a:solidFill>
-                <a:latin typeface="+mn-lt"/>
-                <a:ea typeface="+mn-ea"/>
-                <a:cs typeface="+mn-cs"/>
-              </a:defRPr>
-            </a:lvl4pPr>
-            <a:lvl5pPr marL="1828800" algn="l" defTabSz="914400" rtl="0" eaLnBrk="1" latinLnBrk="0" hangingPunct="1">
-              <a:defRPr sz="1800" kern="1200">
-                <a:solidFill>
-                  <a:schemeClr val="tx1"/>
-                </a:solidFill>
-                <a:latin typeface="+mn-lt"/>
-                <a:ea typeface="+mn-ea"/>
-                <a:cs typeface="+mn-cs"/>
-              </a:defRPr>
-            </a:lvl5pPr>
-            <a:lvl6pPr marL="2286000" algn="l" defTabSz="914400" rtl="0" eaLnBrk="1" latinLnBrk="0" hangingPunct="1">
-              <a:defRPr sz="1800" kern="1200">
-                <a:solidFill>
-                  <a:schemeClr val="tx1"/>
-                </a:solidFill>
-                <a:latin typeface="+mn-lt"/>
-                <a:ea typeface="+mn-ea"/>
-                <a:cs typeface="+mn-cs"/>
-              </a:defRPr>
-            </a:lvl6pPr>
-            <a:lvl7pPr marL="2743200" algn="l" defTabSz="914400" rtl="0" eaLnBrk="1" latinLnBrk="0" hangingPunct="1">
-              <a:defRPr sz="1800" kern="1200">
-                <a:solidFill>
-                  <a:schemeClr val="tx1"/>
-                </a:solidFill>
-                <a:latin typeface="+mn-lt"/>
-                <a:ea typeface="+mn-ea"/>
-                <a:cs typeface="+mn-cs"/>
-              </a:defRPr>
-            </a:lvl7pPr>
-            <a:lvl8pPr marL="3200400" algn="l" defTabSz="914400" rtl="0" eaLnBrk="1" latinLnBrk="0" hangingPunct="1">
-              <a:defRPr sz="1800" kern="1200">
-                <a:solidFill>
-                  <a:schemeClr val="tx1"/>
-                </a:solidFill>
-                <a:latin typeface="+mn-lt"/>
-                <a:ea typeface="+mn-ea"/>
-                <a:cs typeface="+mn-cs"/>
-              </a:defRPr>
-            </a:lvl8pPr>
-            <a:lvl9pPr marL="3657600" algn="l" defTabSz="914400" rtl="0" eaLnBrk="1" latinLnBrk="0" hangingPunct="1">
-              <a:defRPr sz="1800" kern="1200">
-                <a:solidFill>
-                  <a:schemeClr val="tx1"/>
-                </a:solidFill>
-                <a:latin typeface="+mn-lt"/>
-                <a:ea typeface="+mn-ea"/>
-                <a:cs typeface="+mn-cs"/>
-              </a:defRPr>
-            </a:lvl9pPr>
-          </a:lstStyle>
-          <a:p>
-            <a:pPr algn="ctr"/>
-            <a:r>
-              <a:rPr lang="en-US" sz="900" b="1" dirty="0"/>
-              <a:t>Lambda 3</a:t>
-            </a:r>
-          </a:p>
-          <a:p>
-            <a:pPr algn="ctr"/>
-            <a:r>
-              <a:rPr lang="en-US" sz="900" dirty="0"/>
-              <a:t>(Designed to transform the output data to an aligned format)</a:t>
-            </a:r>
-            <a:endParaRPr lang="en-IN" sz="900" b="1" dirty="0"/>
-          </a:p>
-        </p:txBody>
-      </p:sp>
-      <p:cxnSp>
-        <p:nvCxnSpPr>
-          <p:cNvPr id="95" name="Straight Arrow Connector 94">
-            <a:extLst>
-              <a:ext uri="{FF2B5EF4-FFF2-40B4-BE49-F238E27FC236}">
-                <a16:creationId xmlns:a16="http://schemas.microsoft.com/office/drawing/2014/main" id="{EC101770-F823-F0DB-FB2A-0EB3C987315B}"/>
-              </a:ext>
-            </a:extLst>
-          </p:cNvPr>
-          <p:cNvCxnSpPr>
-            <a:cxnSpLocks/>
-            <a:stCxn id="84" idx="3"/>
-            <a:endCxn id="21" idx="1"/>
-          </p:cNvCxnSpPr>
-          <p:nvPr/>
-        </p:nvCxnSpPr>
-        <p:spPr>
-          <a:xfrm>
-            <a:off x="3338870" y="5100733"/>
-            <a:ext cx="3247917" cy="7440"/>
+            <a:off x="3668264" y="4567136"/>
+            <a:ext cx="1445251" cy="0"/>
           </a:xfrm>
           <a:prstGeom prst="straightConnector1">
             <a:avLst/>
@@ -11043,24 +10936,24 @@
       </p:cxnSp>
       <p:cxnSp>
         <p:nvCxnSpPr>
-          <p:cNvPr id="96" name="Straight Arrow Connector 75">
-            <a:extLst>
-              <a:ext uri="{FF2B5EF4-FFF2-40B4-BE49-F238E27FC236}">
-                <a16:creationId xmlns:a16="http://schemas.microsoft.com/office/drawing/2014/main" id="{DD84E822-5A6F-C4D3-0310-DEE8B5CE1ADC}"/>
+          <p:cNvPr id="142" name="Straight Arrow Connector 141">
+            <a:extLst>
+              <a:ext uri="{FF2B5EF4-FFF2-40B4-BE49-F238E27FC236}">
+                <a16:creationId xmlns:a16="http://schemas.microsoft.com/office/drawing/2014/main" id="{454AC785-73E1-12D6-E583-3090801F6949}"/>
               </a:ext>
             </a:extLst>
           </p:cNvPr>
           <p:cNvCxnSpPr>
             <a:cxnSpLocks/>
-            <a:stCxn id="21" idx="0"/>
-            <a:endCxn id="73" idx="1"/>
+            <a:stCxn id="70" idx="3"/>
+            <a:endCxn id="74" idx="2"/>
           </p:cNvCxnSpPr>
           <p:nvPr/>
         </p:nvCxnSpPr>
         <p:spPr>
-          <a:xfrm rot="5400000" flipH="1" flipV="1">
-            <a:off x="6388543" y="3722187"/>
-            <a:ext cx="1570531" cy="506223"/>
+          <a:xfrm flipV="1">
+            <a:off x="10633244" y="3865274"/>
+            <a:ext cx="1084151" cy="879071"/>
           </a:xfrm>
           <a:prstGeom prst="bentConnector2">
             <a:avLst/>
@@ -11086,10 +10979,10 @@
       </p:cxnSp>
       <p:sp>
         <p:nvSpPr>
-          <p:cNvPr id="99" name="TextBox 140">
-            <a:extLst>
-              <a:ext uri="{FF2B5EF4-FFF2-40B4-BE49-F238E27FC236}">
-                <a16:creationId xmlns:a16="http://schemas.microsoft.com/office/drawing/2014/main" id="{56BE7AFE-A115-7460-D8EB-C17569CA2658}"/>
+          <p:cNvPr id="145" name="TextBox 144">
+            <a:extLst>
+              <a:ext uri="{FF2B5EF4-FFF2-40B4-BE49-F238E27FC236}">
+                <a16:creationId xmlns:a16="http://schemas.microsoft.com/office/drawing/2014/main" id="{4D1BD2DF-3F28-65B1-7C5B-C250527D3798}"/>
               </a:ext>
             </a:extLst>
           </p:cNvPr>
@@ -11098,8 +10991,107 @@
         </p:nvSpPr>
         <p:spPr>
           <a:xfrm>
-            <a:off x="7039976" y="3446437"/>
-            <a:ext cx="1372017" cy="646331"/>
+            <a:off x="2537192" y="2776834"/>
+            <a:ext cx="1434042" cy="707886"/>
+          </a:xfrm>
+          <a:prstGeom prst="rect">
+            <a:avLst/>
+          </a:prstGeom>
+          <a:noFill/>
+        </p:spPr>
+        <p:txBody>
+          <a:bodyPr wrap="square" rtlCol="0">
+            <a:spAutoFit/>
+          </a:bodyPr>
+          <a:lstStyle/>
+          <a:p>
+            <a:pPr algn="ctr"/>
+            <a:r>
+              <a:rPr lang="en-US" sz="800" b="1" dirty="0"/>
+              <a:t>Lambda</a:t>
+            </a:r>
+            <a:r>
+              <a:rPr lang="en-US" sz="800" dirty="0"/>
+              <a:t> </a:t>
+            </a:r>
+            <a:r>
+              <a:rPr lang="en-US" sz="800" b="1" dirty="0"/>
+              <a:t>1</a:t>
+            </a:r>
+            <a:br>
+              <a:rPr lang="en-US" sz="800" dirty="0"/>
+            </a:br>
+            <a:r>
+              <a:rPr lang="en-US" sz="800" dirty="0"/>
+              <a:t>(Retrieves and extracts only the essential data from the Canadian Vigilance Product zip file, storing it in S3.)</a:t>
+            </a:r>
+            <a:endParaRPr lang="en-IN" sz="800" dirty="0"/>
+          </a:p>
+        </p:txBody>
+      </p:sp>
+      <p:pic>
+        <p:nvPicPr>
+          <p:cNvPr id="1026" name="Picture 2" descr="Zip file - Free interface icons">
+            <a:extLst>
+              <a:ext uri="{FF2B5EF4-FFF2-40B4-BE49-F238E27FC236}">
+                <a16:creationId xmlns:a16="http://schemas.microsoft.com/office/drawing/2014/main" id="{6DE754D0-544D-A199-7522-5AE386EC18DA}"/>
+              </a:ext>
+            </a:extLst>
+          </p:cNvPr>
+          <p:cNvPicPr>
+            <a:picLocks noChangeAspect="1" noChangeArrowheads="1"/>
+          </p:cNvPicPr>
+          <p:nvPr/>
+        </p:nvPicPr>
+        <p:blipFill>
+          <a:blip r:embed="rId17">
+            <a:extLst>
+              <a:ext uri="{28A0092B-C50C-407E-A947-70E740481C1C}">
+                <a14:useLocalDpi xmlns:a14="http://schemas.microsoft.com/office/drawing/2010/main" val="0"/>
+              </a:ext>
+            </a:extLst>
+          </a:blip>
+          <a:srcRect/>
+          <a:stretch>
+            <a:fillRect/>
+          </a:stretch>
+        </p:blipFill>
+        <p:spPr bwMode="auto">
+          <a:xfrm>
+            <a:off x="602773" y="2213821"/>
+            <a:ext cx="502920" cy="502920"/>
+          </a:xfrm>
+          <a:prstGeom prst="rect">
+            <a:avLst/>
+          </a:prstGeom>
+          <a:noFill/>
+          <a:extLst>
+            <a:ext uri="{909E8E84-426E-40DD-AFC4-6F175D3DCCD1}">
+              <a14:hiddenFill xmlns:a14="http://schemas.microsoft.com/office/drawing/2010/main">
+                <a:solidFill>
+                  <a:srgbClr val="FFFFFF"/>
+                </a:solidFill>
+              </a14:hiddenFill>
+            </a:ext>
+          </a:extLst>
+        </p:spPr>
+      </p:pic>
+      <p:sp>
+        <p:nvSpPr>
+          <p:cNvPr id="163" name="TextBox 119">
+            <a:extLst>
+              <a:ext uri="{FF2B5EF4-FFF2-40B4-BE49-F238E27FC236}">
+                <a16:creationId xmlns:a16="http://schemas.microsoft.com/office/drawing/2014/main" id="{16B3B480-A24E-7C11-90DB-35A104F9C661}"/>
+              </a:ext>
+            </a:extLst>
+          </p:cNvPr>
+          <p:cNvSpPr txBox="1"/>
+          <p:nvPr/>
+        </p:nvSpPr>
+        <p:spPr>
+          <a:xfrm>
+            <a:off x="522789" y="2724027"/>
+            <a:ext cx="1262380" cy="215444"/>
           </a:xfrm>
           <a:prstGeom prst="rect">
             <a:avLst/>
@@ -11206,265 +11198,42 @@
             </a:lvl9pPr>
           </a:lstStyle>
           <a:p>
-            <a:pPr algn="ctr"/>
-            <a:r>
-              <a:rPr lang="en-IN" sz="900" b="1" dirty="0">
+            <a:r>
+              <a:rPr lang="en-IN" sz="800" dirty="0">
                 <a:ea typeface="Calibri" panose="020F0502020204030204" pitchFamily="34" charset="0"/>
                 <a:cs typeface="Calibri" panose="020F0502020204030204" pitchFamily="34" charset="0"/>
               </a:rPr>
-              <a:t>Lambda 4</a:t>
-            </a:r>
-          </a:p>
-          <a:p>
-            <a:pPr algn="ctr"/>
-            <a:r>
-              <a:rPr lang="en-IN" sz="900" dirty="0">
-                <a:ea typeface="Calibri" panose="020F0502020204030204" pitchFamily="34" charset="0"/>
-                <a:cs typeface="Calibri" panose="020F0502020204030204" pitchFamily="34" charset="0"/>
-              </a:rPr>
-              <a:t>(Lambda function to trigger an PDF creation and store it in s3)</a:t>
-            </a:r>
-          </a:p>
-        </p:txBody>
-      </p:sp>
-      <p:pic>
-        <p:nvPicPr>
-          <p:cNvPr id="100" name="Graphic 63">
-            <a:extLst>
-              <a:ext uri="{FF2B5EF4-FFF2-40B4-BE49-F238E27FC236}">
-                <a16:creationId xmlns:a16="http://schemas.microsoft.com/office/drawing/2014/main" id="{D675CC90-BCC9-52D6-9729-4AE1FE2CE95F}"/>
-              </a:ext>
-            </a:extLst>
-          </p:cNvPr>
-          <p:cNvPicPr>
-            <a:picLocks noChangeAspect="1" noChangeArrowheads="1"/>
-          </p:cNvPicPr>
-          <p:nvPr/>
-        </p:nvPicPr>
-        <p:blipFill>
-          <a:blip r:embed="rId7">
-            <a:extLst>
-              <a:ext uri="{28A0092B-C50C-407E-A947-70E740481C1C}">
-                <a14:useLocalDpi xmlns:a14="http://schemas.microsoft.com/office/drawing/2010/main" val="0"/>
-              </a:ext>
-            </a:extLst>
-          </a:blip>
-          <a:srcRect/>
-          <a:stretch>
-            <a:fillRect/>
-          </a:stretch>
-        </p:blipFill>
-        <p:spPr bwMode="auto">
-          <a:xfrm>
-            <a:off x="8801535" y="2847108"/>
-            <a:ext cx="667820" cy="695220"/>
-          </a:xfrm>
-          <a:prstGeom prst="rect">
-            <a:avLst/>
-          </a:prstGeom>
-          <a:noFill/>
-          <a:ln>
-            <a:noFill/>
-          </a:ln>
-          <a:extLst>
-            <a:ext uri="{909E8E84-426E-40DD-AFC4-6F175D3DCCD1}">
-              <a14:hiddenFill xmlns:a14="http://schemas.microsoft.com/office/drawing/2010/main">
-                <a:solidFill>
-                  <a:srgbClr val="FFFFFF"/>
-                </a:solidFill>
-              </a14:hiddenFill>
-            </a:ext>
-            <a:ext uri="{91240B29-F687-4F45-9708-019B960494DF}">
-              <a14:hiddenLine xmlns:a14="http://schemas.microsoft.com/office/drawing/2010/main" w="9525">
-                <a:solidFill>
-                  <a:srgbClr val="000000"/>
-                </a:solidFill>
-                <a:miter lim="800000"/>
-                <a:headEnd/>
-                <a:tailEnd/>
-              </a14:hiddenLine>
-            </a:ext>
-          </a:extLst>
-        </p:spPr>
-      </p:pic>
-      <p:sp>
-        <p:nvSpPr>
-          <p:cNvPr id="101" name="TextBox 137">
-            <a:extLst>
-              <a:ext uri="{FF2B5EF4-FFF2-40B4-BE49-F238E27FC236}">
-                <a16:creationId xmlns:a16="http://schemas.microsoft.com/office/drawing/2014/main" id="{9B984CD8-87E1-FE3C-DAD8-52A35F20B75A}"/>
-              </a:ext>
-            </a:extLst>
-          </p:cNvPr>
-          <p:cNvSpPr txBox="1"/>
-          <p:nvPr/>
-        </p:nvSpPr>
-        <p:spPr>
-          <a:xfrm>
-            <a:off x="8451981" y="3480759"/>
-            <a:ext cx="1372017" cy="507832"/>
-          </a:xfrm>
-          <a:prstGeom prst="rect">
-            <a:avLst/>
-          </a:prstGeom>
-          <a:noFill/>
-        </p:spPr>
-        <p:txBody>
-          <a:bodyPr wrap="square" rtlCol="0">
-            <a:spAutoFit/>
-          </a:bodyPr>
-          <a:lstStyle>
-            <a:defPPr>
-              <a:defRPr lang="en-US"/>
-            </a:defPPr>
-            <a:lvl1pPr marL="0" algn="l" defTabSz="914400" rtl="0" eaLnBrk="1" latinLnBrk="0" hangingPunct="1">
-              <a:defRPr sz="1800" kern="1200">
-                <a:solidFill>
-                  <a:schemeClr val="tx1"/>
-                </a:solidFill>
-                <a:latin typeface="+mn-lt"/>
-                <a:ea typeface="+mn-ea"/>
-                <a:cs typeface="+mn-cs"/>
-              </a:defRPr>
-            </a:lvl1pPr>
-            <a:lvl2pPr marL="457200" algn="l" defTabSz="914400" rtl="0" eaLnBrk="1" latinLnBrk="0" hangingPunct="1">
-              <a:defRPr sz="1800" kern="1200">
-                <a:solidFill>
-                  <a:schemeClr val="tx1"/>
-                </a:solidFill>
-                <a:latin typeface="+mn-lt"/>
-                <a:ea typeface="+mn-ea"/>
-                <a:cs typeface="+mn-cs"/>
-              </a:defRPr>
-            </a:lvl2pPr>
-            <a:lvl3pPr marL="914400" algn="l" defTabSz="914400" rtl="0" eaLnBrk="1" latinLnBrk="0" hangingPunct="1">
-              <a:defRPr sz="1800" kern="1200">
-                <a:solidFill>
-                  <a:schemeClr val="tx1"/>
-                </a:solidFill>
-                <a:latin typeface="+mn-lt"/>
-                <a:ea typeface="+mn-ea"/>
-                <a:cs typeface="+mn-cs"/>
-              </a:defRPr>
-            </a:lvl3pPr>
-            <a:lvl4pPr marL="1371600" algn="l" defTabSz="914400" rtl="0" eaLnBrk="1" latinLnBrk="0" hangingPunct="1">
-              <a:defRPr sz="1800" kern="1200">
-                <a:solidFill>
-                  <a:schemeClr val="tx1"/>
-                </a:solidFill>
-                <a:latin typeface="+mn-lt"/>
-                <a:ea typeface="+mn-ea"/>
-                <a:cs typeface="+mn-cs"/>
-              </a:defRPr>
-            </a:lvl4pPr>
-            <a:lvl5pPr marL="1828800" algn="l" defTabSz="914400" rtl="0" eaLnBrk="1" latinLnBrk="0" hangingPunct="1">
-              <a:defRPr sz="1800" kern="1200">
-                <a:solidFill>
-                  <a:schemeClr val="tx1"/>
-                </a:solidFill>
-                <a:latin typeface="+mn-lt"/>
-                <a:ea typeface="+mn-ea"/>
-                <a:cs typeface="+mn-cs"/>
-              </a:defRPr>
-            </a:lvl5pPr>
-            <a:lvl6pPr marL="2286000" algn="l" defTabSz="914400" rtl="0" eaLnBrk="1" latinLnBrk="0" hangingPunct="1">
-              <a:defRPr sz="1800" kern="1200">
-                <a:solidFill>
-                  <a:schemeClr val="tx1"/>
-                </a:solidFill>
-                <a:latin typeface="+mn-lt"/>
-                <a:ea typeface="+mn-ea"/>
-                <a:cs typeface="+mn-cs"/>
-              </a:defRPr>
-            </a:lvl6pPr>
-            <a:lvl7pPr marL="2743200" algn="l" defTabSz="914400" rtl="0" eaLnBrk="1" latinLnBrk="0" hangingPunct="1">
-              <a:defRPr sz="1800" kern="1200">
-                <a:solidFill>
-                  <a:schemeClr val="tx1"/>
-                </a:solidFill>
-                <a:latin typeface="+mn-lt"/>
-                <a:ea typeface="+mn-ea"/>
-                <a:cs typeface="+mn-cs"/>
-              </a:defRPr>
-            </a:lvl7pPr>
-            <a:lvl8pPr marL="3200400" algn="l" defTabSz="914400" rtl="0" eaLnBrk="1" latinLnBrk="0" hangingPunct="1">
-              <a:defRPr sz="1800" kern="1200">
-                <a:solidFill>
-                  <a:schemeClr val="tx1"/>
-                </a:solidFill>
-                <a:latin typeface="+mn-lt"/>
-                <a:ea typeface="+mn-ea"/>
-                <a:cs typeface="+mn-cs"/>
-              </a:defRPr>
-            </a:lvl8pPr>
-            <a:lvl9pPr marL="3657600" algn="l" defTabSz="914400" rtl="0" eaLnBrk="1" latinLnBrk="0" hangingPunct="1">
-              <a:defRPr sz="1800" kern="1200">
-                <a:solidFill>
-                  <a:schemeClr val="tx1"/>
-                </a:solidFill>
-                <a:latin typeface="+mn-lt"/>
-                <a:ea typeface="+mn-ea"/>
-                <a:cs typeface="+mn-cs"/>
-              </a:defRPr>
-            </a:lvl9pPr>
-          </a:lstStyle>
-          <a:p>
-            <a:pPr algn="ctr"/>
-            <a:r>
-              <a:rPr lang="en-IN" sz="900" b="1" dirty="0">
-                <a:ea typeface="Calibri" panose="020F0502020204030204" pitchFamily="34" charset="0"/>
-                <a:cs typeface="Calibri" panose="020F0502020204030204" pitchFamily="34" charset="0"/>
-              </a:rPr>
-              <a:t>Output bucket</a:t>
-            </a:r>
-          </a:p>
-          <a:p>
-            <a:pPr algn="ctr"/>
-            <a:r>
-              <a:rPr lang="en-IN" sz="900" dirty="0">
-                <a:ea typeface="Calibri" panose="020F0502020204030204" pitchFamily="34" charset="0"/>
-                <a:cs typeface="Calibri" panose="020F0502020204030204" pitchFamily="34" charset="0"/>
-              </a:rPr>
-              <a:t>(Storing the filtered</a:t>
-            </a:r>
-          </a:p>
-          <a:p>
-            <a:pPr algn="ctr"/>
-            <a:r>
-              <a:rPr lang="en-IN" sz="900" dirty="0">
-                <a:ea typeface="Calibri" panose="020F0502020204030204" pitchFamily="34" charset="0"/>
-                <a:cs typeface="Calibri" panose="020F0502020204030204" pitchFamily="34" charset="0"/>
-              </a:rPr>
-              <a:t>data in S3)</a:t>
+              <a:t>Source data</a:t>
             </a:r>
           </a:p>
         </p:txBody>
       </p:sp>
       <p:cxnSp>
         <p:nvCxnSpPr>
-          <p:cNvPr id="102" name="Straight Arrow Connector 101">
-            <a:extLst>
-              <a:ext uri="{FF2B5EF4-FFF2-40B4-BE49-F238E27FC236}">
-                <a16:creationId xmlns:a16="http://schemas.microsoft.com/office/drawing/2014/main" id="{AA1E11FF-D169-D16F-2B5F-C9664F5D9C9D}"/>
+          <p:cNvPr id="3" name="Straight Arrow Connector 2">
+            <a:extLst>
+              <a:ext uri="{FF2B5EF4-FFF2-40B4-BE49-F238E27FC236}">
+                <a16:creationId xmlns:a16="http://schemas.microsoft.com/office/drawing/2014/main" id="{AB658FF2-805B-6DC0-029E-5819D081758A}"/>
               </a:ext>
             </a:extLst>
           </p:cNvPr>
           <p:cNvCxnSpPr>
             <a:cxnSpLocks/>
-            <a:stCxn id="73" idx="3"/>
-            <a:endCxn id="100" idx="1"/>
+            <a:stCxn id="1026" idx="3"/>
+            <a:endCxn id="10" idx="1"/>
           </p:cNvCxnSpPr>
           <p:nvPr/>
         </p:nvCxnSpPr>
         <p:spPr>
-          <a:xfrm>
-            <a:off x="8184860" y="3190032"/>
-            <a:ext cx="616675" cy="4686"/>
+          <a:xfrm flipV="1">
+            <a:off x="1105693" y="2459153"/>
+            <a:ext cx="1749686" cy="6128"/>
           </a:xfrm>
           <a:prstGeom prst="straightConnector1">
             <a:avLst/>
           </a:prstGeom>
           <a:ln>
+            <a:headEnd type="triangle"/>
             <a:tailEnd type="triangle"/>
           </a:ln>
         </p:spPr>
